--- a/channels and go routines/Channels and Go Routines Part 4.pptx
+++ b/channels and go routines/Channels and Go Routines Part 4.pptx
@@ -6,6 +6,7 @@
   </p:sldMasterIdLst>
   <p:sldIdLst>
     <p:sldId id="256" r:id="rId2"/>
+    <p:sldId id="257" r:id="rId3"/>
   </p:sldIdLst>
   <p:sldSz cx="12192000" cy="6858000"/>
   <p:notesSz cx="6858000" cy="9144000"/>
@@ -3456,6 +3457,699 @@
 </p:sld>
 </file>
 
+<file path=ppt/slides/slide2.xml><?xml version="1.0" encoding="utf-8"?>
+<p:sld xmlns:a="http://schemas.openxmlformats.org/drawingml/2006/main" xmlns:r="http://schemas.openxmlformats.org/officeDocument/2006/relationships" xmlns:p="http://schemas.openxmlformats.org/presentationml/2006/main">
+  <p:cSld>
+    <p:spTree>
+      <p:nvGrpSpPr>
+        <p:cNvPr id="1" name=""/>
+        <p:cNvGrpSpPr/>
+        <p:nvPr/>
+      </p:nvGrpSpPr>
+      <p:grpSpPr>
+        <a:xfrm>
+          <a:off x="0" y="0"/>
+          <a:ext cx="0" cy="0"/>
+          <a:chOff x="0" y="0"/>
+          <a:chExt cx="0" cy="0"/>
+        </a:xfrm>
+      </p:grpSpPr>
+      <p:sp>
+        <p:nvSpPr>
+          <p:cNvPr id="2" name="Rectangle 1">
+            <a:extLst>
+              <a:ext uri="{FF2B5EF4-FFF2-40B4-BE49-F238E27FC236}">
+                <a16:creationId xmlns:a16="http://schemas.microsoft.com/office/drawing/2014/main" id="{2F13E494-D405-4251-B1AD-AA4738212503}"/>
+              </a:ext>
+            </a:extLst>
+          </p:cNvPr>
+          <p:cNvSpPr/>
+          <p:nvPr/>
+        </p:nvSpPr>
+        <p:spPr>
+          <a:xfrm>
+            <a:off x="4263242" y="694706"/>
+            <a:ext cx="1832758" cy="914400"/>
+          </a:xfrm>
+          <a:prstGeom prst="rect">
+            <a:avLst/>
+          </a:prstGeom>
+          <a:solidFill>
+            <a:schemeClr val="bg1"/>
+          </a:solidFill>
+        </p:spPr>
+        <p:style>
+          <a:lnRef idx="2">
+            <a:schemeClr val="accent1">
+              <a:shade val="50000"/>
+            </a:schemeClr>
+          </a:lnRef>
+          <a:fillRef idx="1">
+            <a:schemeClr val="accent1"/>
+          </a:fillRef>
+          <a:effectRef idx="0">
+            <a:schemeClr val="accent1"/>
+          </a:effectRef>
+          <a:fontRef idx="minor">
+            <a:schemeClr val="lt1"/>
+          </a:fontRef>
+        </p:style>
+        <p:txBody>
+          <a:bodyPr rtlCol="0" anchor="ctr"/>
+          <a:lstStyle/>
+          <a:p>
+            <a:pPr algn="ctr"/>
+            <a:endParaRPr lang="en-US" dirty="0"/>
+          </a:p>
+        </p:txBody>
+      </p:sp>
+      <p:sp>
+        <p:nvSpPr>
+          <p:cNvPr id="3" name="Rectangle 2">
+            <a:extLst>
+              <a:ext uri="{FF2B5EF4-FFF2-40B4-BE49-F238E27FC236}">
+                <a16:creationId xmlns:a16="http://schemas.microsoft.com/office/drawing/2014/main" id="{707471E6-3655-451D-8187-3E77BB07920D}"/>
+              </a:ext>
+            </a:extLst>
+          </p:cNvPr>
+          <p:cNvSpPr/>
+          <p:nvPr/>
+        </p:nvSpPr>
+        <p:spPr>
+          <a:xfrm>
+            <a:off x="3354779" y="2517569"/>
+            <a:ext cx="3669476" cy="911431"/>
+          </a:xfrm>
+          <a:prstGeom prst="rect">
+            <a:avLst/>
+          </a:prstGeom>
+          <a:solidFill>
+            <a:schemeClr val="bg1"/>
+          </a:solidFill>
+        </p:spPr>
+        <p:style>
+          <a:lnRef idx="2">
+            <a:schemeClr val="accent1">
+              <a:shade val="50000"/>
+            </a:schemeClr>
+          </a:lnRef>
+          <a:fillRef idx="1">
+            <a:schemeClr val="accent1"/>
+          </a:fillRef>
+          <a:effectRef idx="0">
+            <a:schemeClr val="accent1"/>
+          </a:effectRef>
+          <a:fontRef idx="minor">
+            <a:schemeClr val="lt1"/>
+          </a:fontRef>
+        </p:style>
+        <p:txBody>
+          <a:bodyPr rtlCol="0" anchor="ctr"/>
+          <a:lstStyle/>
+          <a:p>
+            <a:pPr algn="ctr"/>
+            <a:endParaRPr lang="en-US"/>
+          </a:p>
+        </p:txBody>
+      </p:sp>
+      <p:sp>
+        <p:nvSpPr>
+          <p:cNvPr id="4" name="Rectangle 3">
+            <a:extLst>
+              <a:ext uri="{FF2B5EF4-FFF2-40B4-BE49-F238E27FC236}">
+                <a16:creationId xmlns:a16="http://schemas.microsoft.com/office/drawing/2014/main" id="{05379284-0A02-49D3-A75F-0469A448B9B6}"/>
+              </a:ext>
+            </a:extLst>
+          </p:cNvPr>
+          <p:cNvSpPr/>
+          <p:nvPr/>
+        </p:nvSpPr>
+        <p:spPr>
+          <a:xfrm>
+            <a:off x="3354779" y="4337463"/>
+            <a:ext cx="908463" cy="911431"/>
+          </a:xfrm>
+          <a:prstGeom prst="rect">
+            <a:avLst/>
+          </a:prstGeom>
+          <a:solidFill>
+            <a:schemeClr val="bg1"/>
+          </a:solidFill>
+        </p:spPr>
+        <p:style>
+          <a:lnRef idx="2">
+            <a:schemeClr val="accent1">
+              <a:shade val="50000"/>
+            </a:schemeClr>
+          </a:lnRef>
+          <a:fillRef idx="1">
+            <a:schemeClr val="accent1"/>
+          </a:fillRef>
+          <a:effectRef idx="0">
+            <a:schemeClr val="accent1"/>
+          </a:effectRef>
+          <a:fontRef idx="minor">
+            <a:schemeClr val="lt1"/>
+          </a:fontRef>
+        </p:style>
+        <p:txBody>
+          <a:bodyPr rtlCol="0" anchor="ctr"/>
+          <a:lstStyle/>
+          <a:p>
+            <a:pPr algn="ctr"/>
+            <a:endParaRPr lang="en-US"/>
+          </a:p>
+        </p:txBody>
+      </p:sp>
+      <p:sp>
+        <p:nvSpPr>
+          <p:cNvPr id="5" name="Rectangle 4">
+            <a:extLst>
+              <a:ext uri="{FF2B5EF4-FFF2-40B4-BE49-F238E27FC236}">
+                <a16:creationId xmlns:a16="http://schemas.microsoft.com/office/drawing/2014/main" id="{AA15B5B6-4973-41F8-B304-429689F18A4E}"/>
+              </a:ext>
+            </a:extLst>
+          </p:cNvPr>
+          <p:cNvSpPr/>
+          <p:nvPr/>
+        </p:nvSpPr>
+        <p:spPr>
+          <a:xfrm>
+            <a:off x="6115792" y="4327072"/>
+            <a:ext cx="908463" cy="911431"/>
+          </a:xfrm>
+          <a:prstGeom prst="rect">
+            <a:avLst/>
+          </a:prstGeom>
+          <a:solidFill>
+            <a:schemeClr val="bg1"/>
+          </a:solidFill>
+        </p:spPr>
+        <p:style>
+          <a:lnRef idx="2">
+            <a:schemeClr val="accent1">
+              <a:shade val="50000"/>
+            </a:schemeClr>
+          </a:lnRef>
+          <a:fillRef idx="1">
+            <a:schemeClr val="accent1"/>
+          </a:fillRef>
+          <a:effectRef idx="0">
+            <a:schemeClr val="accent1"/>
+          </a:effectRef>
+          <a:fontRef idx="minor">
+            <a:schemeClr val="lt1"/>
+          </a:fontRef>
+        </p:style>
+        <p:txBody>
+          <a:bodyPr rtlCol="0" anchor="ctr"/>
+          <a:lstStyle/>
+          <a:p>
+            <a:pPr algn="ctr"/>
+            <a:endParaRPr lang="en-US"/>
+          </a:p>
+        </p:txBody>
+      </p:sp>
+      <p:sp>
+        <p:nvSpPr>
+          <p:cNvPr id="6" name="Rectangle 5">
+            <a:extLst>
+              <a:ext uri="{FF2B5EF4-FFF2-40B4-BE49-F238E27FC236}">
+                <a16:creationId xmlns:a16="http://schemas.microsoft.com/office/drawing/2014/main" id="{7813296C-FA18-4EE7-80BD-C3FA58AB6C0A}"/>
+              </a:ext>
+            </a:extLst>
+          </p:cNvPr>
+          <p:cNvSpPr/>
+          <p:nvPr/>
+        </p:nvSpPr>
+        <p:spPr>
+          <a:xfrm>
+            <a:off x="4847111" y="4337463"/>
+            <a:ext cx="908463" cy="911431"/>
+          </a:xfrm>
+          <a:prstGeom prst="rect">
+            <a:avLst/>
+          </a:prstGeom>
+          <a:solidFill>
+            <a:schemeClr val="bg1"/>
+          </a:solidFill>
+        </p:spPr>
+        <p:style>
+          <a:lnRef idx="2">
+            <a:schemeClr val="accent1">
+              <a:shade val="50000"/>
+            </a:schemeClr>
+          </a:lnRef>
+          <a:fillRef idx="1">
+            <a:schemeClr val="accent1"/>
+          </a:fillRef>
+          <a:effectRef idx="0">
+            <a:schemeClr val="accent1"/>
+          </a:effectRef>
+          <a:fontRef idx="minor">
+            <a:schemeClr val="lt1"/>
+          </a:fontRef>
+        </p:style>
+        <p:txBody>
+          <a:bodyPr rtlCol="0" anchor="ctr"/>
+          <a:lstStyle/>
+          <a:p>
+            <a:pPr algn="ctr"/>
+            <a:endParaRPr lang="en-US"/>
+          </a:p>
+        </p:txBody>
+      </p:sp>
+      <p:cxnSp>
+        <p:nvCxnSpPr>
+          <p:cNvPr id="8" name="Straight Arrow Connector 7">
+            <a:extLst>
+              <a:ext uri="{FF2B5EF4-FFF2-40B4-BE49-F238E27FC236}">
+                <a16:creationId xmlns:a16="http://schemas.microsoft.com/office/drawing/2014/main" id="{E62DBB1B-1D23-46F0-BBFD-2DE088BAB12A}"/>
+              </a:ext>
+            </a:extLst>
+          </p:cNvPr>
+          <p:cNvCxnSpPr>
+            <a:endCxn id="4" idx="0"/>
+          </p:cNvCxnSpPr>
+          <p:nvPr/>
+        </p:nvCxnSpPr>
+        <p:spPr>
+          <a:xfrm>
+            <a:off x="3809010" y="3427516"/>
+            <a:ext cx="1" cy="909947"/>
+          </a:xfrm>
+          <a:prstGeom prst="straightConnector1">
+            <a:avLst/>
+          </a:prstGeom>
+          <a:ln>
+            <a:headEnd type="triangle"/>
+            <a:tailEnd type="triangle"/>
+          </a:ln>
+        </p:spPr>
+        <p:style>
+          <a:lnRef idx="1">
+            <a:schemeClr val="accent1"/>
+          </a:lnRef>
+          <a:fillRef idx="0">
+            <a:schemeClr val="accent1"/>
+          </a:fillRef>
+          <a:effectRef idx="0">
+            <a:schemeClr val="accent1"/>
+          </a:effectRef>
+          <a:fontRef idx="minor">
+            <a:schemeClr val="tx1"/>
+          </a:fontRef>
+        </p:style>
+      </p:cxnSp>
+      <p:cxnSp>
+        <p:nvCxnSpPr>
+          <p:cNvPr id="9" name="Straight Arrow Connector 8">
+            <a:extLst>
+              <a:ext uri="{FF2B5EF4-FFF2-40B4-BE49-F238E27FC236}">
+                <a16:creationId xmlns:a16="http://schemas.microsoft.com/office/drawing/2014/main" id="{61561DA8-93AF-4606-A767-19AF89F5DADF}"/>
+              </a:ext>
+            </a:extLst>
+          </p:cNvPr>
+          <p:cNvCxnSpPr/>
+          <p:nvPr/>
+        </p:nvCxnSpPr>
+        <p:spPr>
+          <a:xfrm>
+            <a:off x="5301341" y="3427516"/>
+            <a:ext cx="1" cy="909947"/>
+          </a:xfrm>
+          <a:prstGeom prst="straightConnector1">
+            <a:avLst/>
+          </a:prstGeom>
+          <a:ln>
+            <a:headEnd type="triangle"/>
+            <a:tailEnd type="triangle"/>
+          </a:ln>
+        </p:spPr>
+        <p:style>
+          <a:lnRef idx="1">
+            <a:schemeClr val="accent1"/>
+          </a:lnRef>
+          <a:fillRef idx="0">
+            <a:schemeClr val="accent1"/>
+          </a:fillRef>
+          <a:effectRef idx="0">
+            <a:schemeClr val="accent1"/>
+          </a:effectRef>
+          <a:fontRef idx="minor">
+            <a:schemeClr val="tx1"/>
+          </a:fontRef>
+        </p:style>
+      </p:cxnSp>
+      <p:cxnSp>
+        <p:nvCxnSpPr>
+          <p:cNvPr id="10" name="Straight Arrow Connector 9">
+            <a:extLst>
+              <a:ext uri="{FF2B5EF4-FFF2-40B4-BE49-F238E27FC236}">
+                <a16:creationId xmlns:a16="http://schemas.microsoft.com/office/drawing/2014/main" id="{5F08AF70-1D69-41E0-B580-2A0D39164565}"/>
+              </a:ext>
+            </a:extLst>
+          </p:cNvPr>
+          <p:cNvCxnSpPr/>
+          <p:nvPr/>
+        </p:nvCxnSpPr>
+        <p:spPr>
+          <a:xfrm>
+            <a:off x="6567548" y="3427516"/>
+            <a:ext cx="1" cy="909947"/>
+          </a:xfrm>
+          <a:prstGeom prst="straightConnector1">
+            <a:avLst/>
+          </a:prstGeom>
+          <a:ln>
+            <a:headEnd type="triangle"/>
+            <a:tailEnd type="triangle"/>
+          </a:ln>
+        </p:spPr>
+        <p:style>
+          <a:lnRef idx="1">
+            <a:schemeClr val="accent1"/>
+          </a:lnRef>
+          <a:fillRef idx="0">
+            <a:schemeClr val="accent1"/>
+          </a:fillRef>
+          <a:effectRef idx="0">
+            <a:schemeClr val="accent1"/>
+          </a:effectRef>
+          <a:fontRef idx="minor">
+            <a:schemeClr val="tx1"/>
+          </a:fontRef>
+        </p:style>
+      </p:cxnSp>
+      <p:cxnSp>
+        <p:nvCxnSpPr>
+          <p:cNvPr id="12" name="Straight Arrow Connector 11">
+            <a:extLst>
+              <a:ext uri="{FF2B5EF4-FFF2-40B4-BE49-F238E27FC236}">
+                <a16:creationId xmlns:a16="http://schemas.microsoft.com/office/drawing/2014/main" id="{F9D81831-873A-4210-BB55-0F59F9A2CE69}"/>
+              </a:ext>
+            </a:extLst>
+          </p:cNvPr>
+          <p:cNvCxnSpPr/>
+          <p:nvPr/>
+        </p:nvCxnSpPr>
+        <p:spPr>
+          <a:xfrm>
+            <a:off x="4560125" y="1609106"/>
+            <a:ext cx="0" cy="908463"/>
+          </a:xfrm>
+          <a:prstGeom prst="straightConnector1">
+            <a:avLst/>
+          </a:prstGeom>
+          <a:ln>
+            <a:tailEnd type="triangle"/>
+          </a:ln>
+        </p:spPr>
+        <p:style>
+          <a:lnRef idx="1">
+            <a:schemeClr val="accent1"/>
+          </a:lnRef>
+          <a:fillRef idx="0">
+            <a:schemeClr val="accent1"/>
+          </a:fillRef>
+          <a:effectRef idx="0">
+            <a:schemeClr val="accent1"/>
+          </a:effectRef>
+          <a:fontRef idx="minor">
+            <a:schemeClr val="tx1"/>
+          </a:fontRef>
+        </p:style>
+      </p:cxnSp>
+      <p:cxnSp>
+        <p:nvCxnSpPr>
+          <p:cNvPr id="14" name="Straight Arrow Connector 13">
+            <a:extLst>
+              <a:ext uri="{FF2B5EF4-FFF2-40B4-BE49-F238E27FC236}">
+                <a16:creationId xmlns:a16="http://schemas.microsoft.com/office/drawing/2014/main" id="{FD1208D2-4B2D-4753-B6AF-6A51EB3305AB}"/>
+              </a:ext>
+            </a:extLst>
+          </p:cNvPr>
+          <p:cNvCxnSpPr>
+            <a:cxnSpLocks/>
+          </p:cNvCxnSpPr>
+          <p:nvPr/>
+        </p:nvCxnSpPr>
+        <p:spPr>
+          <a:xfrm flipV="1">
+            <a:off x="5755574" y="1609106"/>
+            <a:ext cx="0" cy="908464"/>
+          </a:xfrm>
+          <a:prstGeom prst="straightConnector1">
+            <a:avLst/>
+          </a:prstGeom>
+          <a:ln>
+            <a:tailEnd type="triangle"/>
+          </a:ln>
+        </p:spPr>
+        <p:style>
+          <a:lnRef idx="1">
+            <a:schemeClr val="accent1"/>
+          </a:lnRef>
+          <a:fillRef idx="0">
+            <a:schemeClr val="accent1"/>
+          </a:fillRef>
+          <a:effectRef idx="0">
+            <a:schemeClr val="accent1"/>
+          </a:effectRef>
+          <a:fontRef idx="minor">
+            <a:schemeClr val="tx1"/>
+          </a:fontRef>
+        </p:style>
+      </p:cxnSp>
+      <p:sp>
+        <p:nvSpPr>
+          <p:cNvPr id="17" name="TextBox 16">
+            <a:extLst>
+              <a:ext uri="{FF2B5EF4-FFF2-40B4-BE49-F238E27FC236}">
+                <a16:creationId xmlns:a16="http://schemas.microsoft.com/office/drawing/2014/main" id="{E16F6879-140C-4F62-A15B-05967AEF2FF7}"/>
+              </a:ext>
+            </a:extLst>
+          </p:cNvPr>
+          <p:cNvSpPr txBox="1"/>
+          <p:nvPr/>
+        </p:nvSpPr>
+        <p:spPr>
+          <a:xfrm>
+            <a:off x="4560125" y="878774"/>
+            <a:ext cx="1195447" cy="646331"/>
+          </a:xfrm>
+          <a:prstGeom prst="rect">
+            <a:avLst/>
+          </a:prstGeom>
+          <a:noFill/>
+        </p:spPr>
+        <p:txBody>
+          <a:bodyPr wrap="square" rtlCol="0">
+            <a:spAutoFit/>
+          </a:bodyPr>
+          <a:lstStyle/>
+          <a:p>
+            <a:r>
+              <a:rPr lang="en-US" dirty="0"/>
+              <a:t>One CPU</a:t>
+            </a:r>
+          </a:p>
+          <a:p>
+            <a:r>
+              <a:rPr lang="en-US" dirty="0"/>
+              <a:t>     Core</a:t>
+            </a:r>
+          </a:p>
+        </p:txBody>
+      </p:sp>
+      <p:sp>
+        <p:nvSpPr>
+          <p:cNvPr id="18" name="TextBox 17">
+            <a:extLst>
+              <a:ext uri="{FF2B5EF4-FFF2-40B4-BE49-F238E27FC236}">
+                <a16:creationId xmlns:a16="http://schemas.microsoft.com/office/drawing/2014/main" id="{B4A5C466-142E-4780-96F2-4F5C735C2885}"/>
+              </a:ext>
+            </a:extLst>
+          </p:cNvPr>
+          <p:cNvSpPr txBox="1"/>
+          <p:nvPr/>
+        </p:nvSpPr>
+        <p:spPr>
+          <a:xfrm>
+            <a:off x="4384962" y="2731325"/>
+            <a:ext cx="1832757" cy="369332"/>
+          </a:xfrm>
+          <a:prstGeom prst="rect">
+            <a:avLst/>
+          </a:prstGeom>
+          <a:noFill/>
+        </p:spPr>
+        <p:txBody>
+          <a:bodyPr wrap="square" rtlCol="0">
+            <a:spAutoFit/>
+          </a:bodyPr>
+          <a:lstStyle/>
+          <a:p>
+            <a:r>
+              <a:rPr lang="en-US" dirty="0"/>
+              <a:t>Go Scheduler</a:t>
+            </a:r>
+          </a:p>
+        </p:txBody>
+      </p:sp>
+      <p:sp>
+        <p:nvSpPr>
+          <p:cNvPr id="19" name="TextBox 18">
+            <a:extLst>
+              <a:ext uri="{FF2B5EF4-FFF2-40B4-BE49-F238E27FC236}">
+                <a16:creationId xmlns:a16="http://schemas.microsoft.com/office/drawing/2014/main" id="{1AA87A8A-CF15-4C93-9AA2-BAF63AC091EB}"/>
+              </a:ext>
+            </a:extLst>
+          </p:cNvPr>
+          <p:cNvSpPr txBox="1"/>
+          <p:nvPr/>
+        </p:nvSpPr>
+        <p:spPr>
+          <a:xfrm>
+            <a:off x="3354779" y="4349362"/>
+            <a:ext cx="908463" cy="584775"/>
+          </a:xfrm>
+          <a:prstGeom prst="rect">
+            <a:avLst/>
+          </a:prstGeom>
+          <a:noFill/>
+        </p:spPr>
+        <p:txBody>
+          <a:bodyPr wrap="square" rtlCol="0">
+            <a:spAutoFit/>
+          </a:bodyPr>
+          <a:lstStyle/>
+          <a:p>
+            <a:r>
+              <a:rPr lang="en-US" sz="1600" dirty="0"/>
+              <a:t>Go Routine</a:t>
+            </a:r>
+          </a:p>
+        </p:txBody>
+      </p:sp>
+      <p:sp>
+        <p:nvSpPr>
+          <p:cNvPr id="20" name="TextBox 19">
+            <a:extLst>
+              <a:ext uri="{FF2B5EF4-FFF2-40B4-BE49-F238E27FC236}">
+                <a16:creationId xmlns:a16="http://schemas.microsoft.com/office/drawing/2014/main" id="{206EE34A-DB06-4ED2-A3EC-5BF6F015C590}"/>
+              </a:ext>
+            </a:extLst>
+          </p:cNvPr>
+          <p:cNvSpPr txBox="1"/>
+          <p:nvPr/>
+        </p:nvSpPr>
+        <p:spPr>
+          <a:xfrm>
+            <a:off x="4822370" y="4349361"/>
+            <a:ext cx="908463" cy="584775"/>
+          </a:xfrm>
+          <a:prstGeom prst="rect">
+            <a:avLst/>
+          </a:prstGeom>
+          <a:noFill/>
+        </p:spPr>
+        <p:txBody>
+          <a:bodyPr wrap="square" rtlCol="0">
+            <a:spAutoFit/>
+          </a:bodyPr>
+          <a:lstStyle/>
+          <a:p>
+            <a:r>
+              <a:rPr lang="en-US" sz="1600" dirty="0"/>
+              <a:t>Go Routine</a:t>
+            </a:r>
+          </a:p>
+        </p:txBody>
+      </p:sp>
+      <p:sp>
+        <p:nvSpPr>
+          <p:cNvPr id="21" name="TextBox 20">
+            <a:extLst>
+              <a:ext uri="{FF2B5EF4-FFF2-40B4-BE49-F238E27FC236}">
+                <a16:creationId xmlns:a16="http://schemas.microsoft.com/office/drawing/2014/main" id="{CC49A85D-2358-468B-9FD2-B9D959F2581F}"/>
+              </a:ext>
+            </a:extLst>
+          </p:cNvPr>
+          <p:cNvSpPr txBox="1"/>
+          <p:nvPr/>
+        </p:nvSpPr>
+        <p:spPr>
+          <a:xfrm>
+            <a:off x="6096000" y="4327072"/>
+            <a:ext cx="908463" cy="584775"/>
+          </a:xfrm>
+          <a:prstGeom prst="rect">
+            <a:avLst/>
+          </a:prstGeom>
+          <a:noFill/>
+        </p:spPr>
+        <p:txBody>
+          <a:bodyPr wrap="square" rtlCol="0">
+            <a:spAutoFit/>
+          </a:bodyPr>
+          <a:lstStyle/>
+          <a:p>
+            <a:r>
+              <a:rPr lang="en-US" sz="1600" dirty="0"/>
+              <a:t>Go Routine</a:t>
+            </a:r>
+          </a:p>
+        </p:txBody>
+      </p:sp>
+      <p:sp>
+        <p:nvSpPr>
+          <p:cNvPr id="22" name="TextBox 21">
+            <a:extLst>
+              <a:ext uri="{FF2B5EF4-FFF2-40B4-BE49-F238E27FC236}">
+                <a16:creationId xmlns:a16="http://schemas.microsoft.com/office/drawing/2014/main" id="{14F85EB8-676B-4F7A-AA92-73FFDD8B384C}"/>
+              </a:ext>
+            </a:extLst>
+          </p:cNvPr>
+          <p:cNvSpPr txBox="1"/>
+          <p:nvPr/>
+        </p:nvSpPr>
+        <p:spPr>
+          <a:xfrm>
+            <a:off x="8176161" y="1609106"/>
+            <a:ext cx="2885699" cy="830997"/>
+          </a:xfrm>
+          <a:prstGeom prst="rect">
+            <a:avLst/>
+          </a:prstGeom>
+          <a:noFill/>
+        </p:spPr>
+        <p:txBody>
+          <a:bodyPr wrap="square" rtlCol="0">
+            <a:spAutoFit/>
+          </a:bodyPr>
+          <a:lstStyle/>
+          <a:p>
+            <a:r>
+              <a:rPr lang="en-US" sz="1600" dirty="0"/>
+              <a:t>Scheduler runs one routine until it finishes or makes a blocking call (i.e. HTTP request)</a:t>
+            </a:r>
+          </a:p>
+        </p:txBody>
+      </p:sp>
+    </p:spTree>
+    <p:extLst>
+      <p:ext uri="{BB962C8B-B14F-4D97-AF65-F5344CB8AC3E}">
+        <p14:creationId xmlns:p14="http://schemas.microsoft.com/office/powerpoint/2010/main" val="1230834535"/>
+      </p:ext>
+    </p:extLst>
+  </p:cSld>
+  <p:clrMapOvr>
+    <a:masterClrMapping/>
+  </p:clrMapOvr>
+</p:sld>
+</file>
+
 <file path=ppt/theme/theme1.xml><?xml version="1.0" encoding="utf-8"?>
 <a:theme xmlns:a="http://schemas.openxmlformats.org/drawingml/2006/main" name="Frame">
   <a:themeElements>

--- a/channels and go routines/Channels and Go Routines Part 4.pptx
+++ b/channels and go routines/Channels and Go Routines Part 4.pptx
@@ -7,6 +7,7 @@
   <p:sldIdLst>
     <p:sldId id="256" r:id="rId2"/>
     <p:sldId id="257" r:id="rId3"/>
+    <p:sldId id="258" r:id="rId4"/>
   </p:sldIdLst>
   <p:sldSz cx="12192000" cy="6858000"/>
   <p:notesSz cx="6858000" cy="9144000"/>
@@ -4150,6 +4151,1004 @@
 </p:sld>
 </file>
 
+<file path=ppt/slides/slide3.xml><?xml version="1.0" encoding="utf-8"?>
+<p:sld xmlns:a="http://schemas.openxmlformats.org/drawingml/2006/main" xmlns:r="http://schemas.openxmlformats.org/officeDocument/2006/relationships" xmlns:p="http://schemas.openxmlformats.org/presentationml/2006/main">
+  <p:cSld>
+    <p:spTree>
+      <p:nvGrpSpPr>
+        <p:cNvPr id="1" name=""/>
+        <p:cNvGrpSpPr/>
+        <p:nvPr/>
+      </p:nvGrpSpPr>
+      <p:grpSpPr>
+        <a:xfrm>
+          <a:off x="0" y="0"/>
+          <a:ext cx="0" cy="0"/>
+          <a:chOff x="0" y="0"/>
+          <a:chExt cx="0" cy="0"/>
+        </a:xfrm>
+      </p:grpSpPr>
+      <p:sp>
+        <p:nvSpPr>
+          <p:cNvPr id="39" name="Rectangle 38">
+            <a:extLst>
+              <a:ext uri="{FF2B5EF4-FFF2-40B4-BE49-F238E27FC236}">
+                <a16:creationId xmlns:a16="http://schemas.microsoft.com/office/drawing/2014/main" id="{BCFAEAA5-DDF9-42B2-BCB1-167ACCB1F1A9}"/>
+              </a:ext>
+            </a:extLst>
+          </p:cNvPr>
+          <p:cNvSpPr/>
+          <p:nvPr/>
+        </p:nvSpPr>
+        <p:spPr>
+          <a:xfrm>
+            <a:off x="3354779" y="1074717"/>
+            <a:ext cx="1282530" cy="534389"/>
+          </a:xfrm>
+          <a:prstGeom prst="rect">
+            <a:avLst/>
+          </a:prstGeom>
+          <a:solidFill>
+            <a:schemeClr val="bg1"/>
+          </a:solidFill>
+        </p:spPr>
+        <p:style>
+          <a:lnRef idx="2">
+            <a:schemeClr val="accent1">
+              <a:shade val="50000"/>
+            </a:schemeClr>
+          </a:lnRef>
+          <a:fillRef idx="1">
+            <a:schemeClr val="accent1"/>
+          </a:fillRef>
+          <a:effectRef idx="0">
+            <a:schemeClr val="accent1"/>
+          </a:effectRef>
+          <a:fontRef idx="minor">
+            <a:schemeClr val="lt1"/>
+          </a:fontRef>
+        </p:style>
+        <p:txBody>
+          <a:bodyPr rtlCol="0" anchor="ctr"/>
+          <a:lstStyle/>
+          <a:p>
+            <a:pPr algn="ctr"/>
+            <a:endParaRPr lang="en-US" dirty="0"/>
+          </a:p>
+        </p:txBody>
+      </p:sp>
+      <p:sp>
+        <p:nvSpPr>
+          <p:cNvPr id="40" name="Rectangle 39">
+            <a:extLst>
+              <a:ext uri="{FF2B5EF4-FFF2-40B4-BE49-F238E27FC236}">
+                <a16:creationId xmlns:a16="http://schemas.microsoft.com/office/drawing/2014/main" id="{95D626FF-EDC7-4BD1-A5AB-D4B13B3637D5}"/>
+              </a:ext>
+            </a:extLst>
+          </p:cNvPr>
+          <p:cNvSpPr/>
+          <p:nvPr/>
+        </p:nvSpPr>
+        <p:spPr>
+          <a:xfrm>
+            <a:off x="3354778" y="2517569"/>
+            <a:ext cx="3940617" cy="911431"/>
+          </a:xfrm>
+          <a:prstGeom prst="rect">
+            <a:avLst/>
+          </a:prstGeom>
+          <a:solidFill>
+            <a:schemeClr val="bg1"/>
+          </a:solidFill>
+        </p:spPr>
+        <p:style>
+          <a:lnRef idx="2">
+            <a:schemeClr val="accent1">
+              <a:shade val="50000"/>
+            </a:schemeClr>
+          </a:lnRef>
+          <a:fillRef idx="1">
+            <a:schemeClr val="accent1"/>
+          </a:fillRef>
+          <a:effectRef idx="0">
+            <a:schemeClr val="accent1"/>
+          </a:effectRef>
+          <a:fontRef idx="minor">
+            <a:schemeClr val="lt1"/>
+          </a:fontRef>
+        </p:style>
+        <p:txBody>
+          <a:bodyPr rtlCol="0" anchor="ctr"/>
+          <a:lstStyle/>
+          <a:p>
+            <a:pPr algn="ctr"/>
+            <a:endParaRPr lang="en-US"/>
+          </a:p>
+        </p:txBody>
+      </p:sp>
+      <p:sp>
+        <p:nvSpPr>
+          <p:cNvPr id="41" name="Rectangle 40">
+            <a:extLst>
+              <a:ext uri="{FF2B5EF4-FFF2-40B4-BE49-F238E27FC236}">
+                <a16:creationId xmlns:a16="http://schemas.microsoft.com/office/drawing/2014/main" id="{8488C110-3AC1-450D-BE49-3361974F622A}"/>
+              </a:ext>
+            </a:extLst>
+          </p:cNvPr>
+          <p:cNvSpPr/>
+          <p:nvPr/>
+        </p:nvSpPr>
+        <p:spPr>
+          <a:xfrm>
+            <a:off x="3354779" y="4337463"/>
+            <a:ext cx="908463" cy="911431"/>
+          </a:xfrm>
+          <a:prstGeom prst="rect">
+            <a:avLst/>
+          </a:prstGeom>
+          <a:solidFill>
+            <a:schemeClr val="bg1"/>
+          </a:solidFill>
+        </p:spPr>
+        <p:style>
+          <a:lnRef idx="2">
+            <a:schemeClr val="accent1">
+              <a:shade val="50000"/>
+            </a:schemeClr>
+          </a:lnRef>
+          <a:fillRef idx="1">
+            <a:schemeClr val="accent1"/>
+          </a:fillRef>
+          <a:effectRef idx="0">
+            <a:schemeClr val="accent1"/>
+          </a:effectRef>
+          <a:fontRef idx="minor">
+            <a:schemeClr val="lt1"/>
+          </a:fontRef>
+        </p:style>
+        <p:txBody>
+          <a:bodyPr rtlCol="0" anchor="ctr"/>
+          <a:lstStyle/>
+          <a:p>
+            <a:pPr algn="ctr"/>
+            <a:endParaRPr lang="en-US"/>
+          </a:p>
+        </p:txBody>
+      </p:sp>
+      <p:sp>
+        <p:nvSpPr>
+          <p:cNvPr id="42" name="Rectangle 41">
+            <a:extLst>
+              <a:ext uri="{FF2B5EF4-FFF2-40B4-BE49-F238E27FC236}">
+                <a16:creationId xmlns:a16="http://schemas.microsoft.com/office/drawing/2014/main" id="{25823001-48B9-4AF4-8FD7-0DF751840681}"/>
+              </a:ext>
+            </a:extLst>
+          </p:cNvPr>
+          <p:cNvSpPr/>
+          <p:nvPr/>
+        </p:nvSpPr>
+        <p:spPr>
+          <a:xfrm>
+            <a:off x="6115792" y="4327072"/>
+            <a:ext cx="908463" cy="911431"/>
+          </a:xfrm>
+          <a:prstGeom prst="rect">
+            <a:avLst/>
+          </a:prstGeom>
+          <a:solidFill>
+            <a:schemeClr val="bg1"/>
+          </a:solidFill>
+        </p:spPr>
+        <p:style>
+          <a:lnRef idx="2">
+            <a:schemeClr val="accent1">
+              <a:shade val="50000"/>
+            </a:schemeClr>
+          </a:lnRef>
+          <a:fillRef idx="1">
+            <a:schemeClr val="accent1"/>
+          </a:fillRef>
+          <a:effectRef idx="0">
+            <a:schemeClr val="accent1"/>
+          </a:effectRef>
+          <a:fontRef idx="minor">
+            <a:schemeClr val="lt1"/>
+          </a:fontRef>
+        </p:style>
+        <p:txBody>
+          <a:bodyPr rtlCol="0" anchor="ctr"/>
+          <a:lstStyle/>
+          <a:p>
+            <a:pPr algn="ctr"/>
+            <a:endParaRPr lang="en-US"/>
+          </a:p>
+        </p:txBody>
+      </p:sp>
+      <p:sp>
+        <p:nvSpPr>
+          <p:cNvPr id="43" name="Rectangle 42">
+            <a:extLst>
+              <a:ext uri="{FF2B5EF4-FFF2-40B4-BE49-F238E27FC236}">
+                <a16:creationId xmlns:a16="http://schemas.microsoft.com/office/drawing/2014/main" id="{1CAB1444-4BF8-4C2C-AE54-17E95A52C31C}"/>
+              </a:ext>
+            </a:extLst>
+          </p:cNvPr>
+          <p:cNvSpPr/>
+          <p:nvPr/>
+        </p:nvSpPr>
+        <p:spPr>
+          <a:xfrm>
+            <a:off x="4847111" y="4337463"/>
+            <a:ext cx="908463" cy="911431"/>
+          </a:xfrm>
+          <a:prstGeom prst="rect">
+            <a:avLst/>
+          </a:prstGeom>
+          <a:solidFill>
+            <a:schemeClr val="bg1"/>
+          </a:solidFill>
+        </p:spPr>
+        <p:style>
+          <a:lnRef idx="2">
+            <a:schemeClr val="accent1">
+              <a:shade val="50000"/>
+            </a:schemeClr>
+          </a:lnRef>
+          <a:fillRef idx="1">
+            <a:schemeClr val="accent1"/>
+          </a:fillRef>
+          <a:effectRef idx="0">
+            <a:schemeClr val="accent1"/>
+          </a:effectRef>
+          <a:fontRef idx="minor">
+            <a:schemeClr val="lt1"/>
+          </a:fontRef>
+        </p:style>
+        <p:txBody>
+          <a:bodyPr rtlCol="0" anchor="ctr"/>
+          <a:lstStyle/>
+          <a:p>
+            <a:pPr algn="ctr"/>
+            <a:endParaRPr lang="en-US"/>
+          </a:p>
+        </p:txBody>
+      </p:sp>
+      <p:cxnSp>
+        <p:nvCxnSpPr>
+          <p:cNvPr id="44" name="Straight Arrow Connector 43">
+            <a:extLst>
+              <a:ext uri="{FF2B5EF4-FFF2-40B4-BE49-F238E27FC236}">
+                <a16:creationId xmlns:a16="http://schemas.microsoft.com/office/drawing/2014/main" id="{B1C99E0B-7AD9-4387-98C2-F708C21FF177}"/>
+              </a:ext>
+            </a:extLst>
+          </p:cNvPr>
+          <p:cNvCxnSpPr>
+            <a:endCxn id="41" idx="0"/>
+          </p:cNvCxnSpPr>
+          <p:nvPr/>
+        </p:nvCxnSpPr>
+        <p:spPr>
+          <a:xfrm>
+            <a:off x="3809010" y="3427516"/>
+            <a:ext cx="1" cy="909947"/>
+          </a:xfrm>
+          <a:prstGeom prst="straightConnector1">
+            <a:avLst/>
+          </a:prstGeom>
+          <a:ln>
+            <a:headEnd type="triangle"/>
+            <a:tailEnd type="triangle"/>
+          </a:ln>
+        </p:spPr>
+        <p:style>
+          <a:lnRef idx="1">
+            <a:schemeClr val="accent1"/>
+          </a:lnRef>
+          <a:fillRef idx="0">
+            <a:schemeClr val="accent1"/>
+          </a:fillRef>
+          <a:effectRef idx="0">
+            <a:schemeClr val="accent1"/>
+          </a:effectRef>
+          <a:fontRef idx="minor">
+            <a:schemeClr val="tx1"/>
+          </a:fontRef>
+        </p:style>
+      </p:cxnSp>
+      <p:cxnSp>
+        <p:nvCxnSpPr>
+          <p:cNvPr id="45" name="Straight Arrow Connector 44">
+            <a:extLst>
+              <a:ext uri="{FF2B5EF4-FFF2-40B4-BE49-F238E27FC236}">
+                <a16:creationId xmlns:a16="http://schemas.microsoft.com/office/drawing/2014/main" id="{9A6C9DE3-91A9-4752-85E8-56A7ECCD46E5}"/>
+              </a:ext>
+            </a:extLst>
+          </p:cNvPr>
+          <p:cNvCxnSpPr/>
+          <p:nvPr/>
+        </p:nvCxnSpPr>
+        <p:spPr>
+          <a:xfrm>
+            <a:off x="5301341" y="3427516"/>
+            <a:ext cx="1" cy="909947"/>
+          </a:xfrm>
+          <a:prstGeom prst="straightConnector1">
+            <a:avLst/>
+          </a:prstGeom>
+          <a:ln>
+            <a:headEnd type="triangle"/>
+            <a:tailEnd type="triangle"/>
+          </a:ln>
+        </p:spPr>
+        <p:style>
+          <a:lnRef idx="1">
+            <a:schemeClr val="accent1"/>
+          </a:lnRef>
+          <a:fillRef idx="0">
+            <a:schemeClr val="accent1"/>
+          </a:fillRef>
+          <a:effectRef idx="0">
+            <a:schemeClr val="accent1"/>
+          </a:effectRef>
+          <a:fontRef idx="minor">
+            <a:schemeClr val="tx1"/>
+          </a:fontRef>
+        </p:style>
+      </p:cxnSp>
+      <p:cxnSp>
+        <p:nvCxnSpPr>
+          <p:cNvPr id="46" name="Straight Arrow Connector 45">
+            <a:extLst>
+              <a:ext uri="{FF2B5EF4-FFF2-40B4-BE49-F238E27FC236}">
+                <a16:creationId xmlns:a16="http://schemas.microsoft.com/office/drawing/2014/main" id="{7DB3D620-7788-439B-A7A1-AC028052639A}"/>
+              </a:ext>
+            </a:extLst>
+          </p:cNvPr>
+          <p:cNvCxnSpPr/>
+          <p:nvPr/>
+        </p:nvCxnSpPr>
+        <p:spPr>
+          <a:xfrm>
+            <a:off x="6567548" y="3427516"/>
+            <a:ext cx="1" cy="909947"/>
+          </a:xfrm>
+          <a:prstGeom prst="straightConnector1">
+            <a:avLst/>
+          </a:prstGeom>
+          <a:ln>
+            <a:headEnd type="triangle"/>
+            <a:tailEnd type="triangle"/>
+          </a:ln>
+        </p:spPr>
+        <p:style>
+          <a:lnRef idx="1">
+            <a:schemeClr val="accent1"/>
+          </a:lnRef>
+          <a:fillRef idx="0">
+            <a:schemeClr val="accent1"/>
+          </a:fillRef>
+          <a:effectRef idx="0">
+            <a:schemeClr val="accent1"/>
+          </a:effectRef>
+          <a:fontRef idx="minor">
+            <a:schemeClr val="tx1"/>
+          </a:fontRef>
+        </p:style>
+      </p:cxnSp>
+      <p:cxnSp>
+        <p:nvCxnSpPr>
+          <p:cNvPr id="47" name="Straight Arrow Connector 46">
+            <a:extLst>
+              <a:ext uri="{FF2B5EF4-FFF2-40B4-BE49-F238E27FC236}">
+                <a16:creationId xmlns:a16="http://schemas.microsoft.com/office/drawing/2014/main" id="{EC9F59D9-1B1D-4528-B457-FB35D16EF835}"/>
+              </a:ext>
+            </a:extLst>
+          </p:cNvPr>
+          <p:cNvCxnSpPr/>
+          <p:nvPr/>
+        </p:nvCxnSpPr>
+        <p:spPr>
+          <a:xfrm>
+            <a:off x="4560125" y="1609106"/>
+            <a:ext cx="0" cy="908463"/>
+          </a:xfrm>
+          <a:prstGeom prst="straightConnector1">
+            <a:avLst/>
+          </a:prstGeom>
+          <a:ln>
+            <a:tailEnd type="triangle"/>
+          </a:ln>
+        </p:spPr>
+        <p:style>
+          <a:lnRef idx="1">
+            <a:schemeClr val="accent1"/>
+          </a:lnRef>
+          <a:fillRef idx="0">
+            <a:schemeClr val="accent1"/>
+          </a:fillRef>
+          <a:effectRef idx="0">
+            <a:schemeClr val="accent1"/>
+          </a:effectRef>
+          <a:fontRef idx="minor">
+            <a:schemeClr val="tx1"/>
+          </a:fontRef>
+        </p:style>
+      </p:cxnSp>
+      <p:cxnSp>
+        <p:nvCxnSpPr>
+          <p:cNvPr id="48" name="Straight Arrow Connector 47">
+            <a:extLst>
+              <a:ext uri="{FF2B5EF4-FFF2-40B4-BE49-F238E27FC236}">
+                <a16:creationId xmlns:a16="http://schemas.microsoft.com/office/drawing/2014/main" id="{6B908E54-6A92-4254-8B35-36B6E74072BA}"/>
+              </a:ext>
+            </a:extLst>
+          </p:cNvPr>
+          <p:cNvCxnSpPr>
+            <a:cxnSpLocks/>
+          </p:cNvCxnSpPr>
+          <p:nvPr/>
+        </p:nvCxnSpPr>
+        <p:spPr>
+          <a:xfrm flipV="1">
+            <a:off x="3523013" y="1609105"/>
+            <a:ext cx="0" cy="908464"/>
+          </a:xfrm>
+          <a:prstGeom prst="straightConnector1">
+            <a:avLst/>
+          </a:prstGeom>
+          <a:ln>
+            <a:tailEnd type="triangle"/>
+          </a:ln>
+        </p:spPr>
+        <p:style>
+          <a:lnRef idx="1">
+            <a:schemeClr val="accent1"/>
+          </a:lnRef>
+          <a:fillRef idx="0">
+            <a:schemeClr val="accent1"/>
+          </a:fillRef>
+          <a:effectRef idx="0">
+            <a:schemeClr val="accent1"/>
+          </a:effectRef>
+          <a:fontRef idx="minor">
+            <a:schemeClr val="tx1"/>
+          </a:fontRef>
+        </p:style>
+      </p:cxnSp>
+      <p:sp>
+        <p:nvSpPr>
+          <p:cNvPr id="49" name="TextBox 48">
+            <a:extLst>
+              <a:ext uri="{FF2B5EF4-FFF2-40B4-BE49-F238E27FC236}">
+                <a16:creationId xmlns:a16="http://schemas.microsoft.com/office/drawing/2014/main" id="{E0B68C45-93B4-470C-91FC-DCF84718CCFB}"/>
+              </a:ext>
+            </a:extLst>
+          </p:cNvPr>
+          <p:cNvSpPr txBox="1"/>
+          <p:nvPr/>
+        </p:nvSpPr>
+        <p:spPr>
+          <a:xfrm>
+            <a:off x="3441862" y="1056904"/>
+            <a:ext cx="1195447" cy="646331"/>
+          </a:xfrm>
+          <a:prstGeom prst="rect">
+            <a:avLst/>
+          </a:prstGeom>
+          <a:noFill/>
+        </p:spPr>
+        <p:txBody>
+          <a:bodyPr wrap="square" rtlCol="0">
+            <a:spAutoFit/>
+          </a:bodyPr>
+          <a:lstStyle/>
+          <a:p>
+            <a:r>
+              <a:rPr lang="en-US" dirty="0"/>
+              <a:t>One CPU</a:t>
+            </a:r>
+          </a:p>
+          <a:p>
+            <a:r>
+              <a:rPr lang="en-US" dirty="0"/>
+              <a:t>     Core</a:t>
+            </a:r>
+          </a:p>
+        </p:txBody>
+      </p:sp>
+      <p:sp>
+        <p:nvSpPr>
+          <p:cNvPr id="50" name="TextBox 49">
+            <a:extLst>
+              <a:ext uri="{FF2B5EF4-FFF2-40B4-BE49-F238E27FC236}">
+                <a16:creationId xmlns:a16="http://schemas.microsoft.com/office/drawing/2014/main" id="{37E8C24F-F3B5-474D-BC4D-650FACFBC437}"/>
+              </a:ext>
+            </a:extLst>
+          </p:cNvPr>
+          <p:cNvSpPr txBox="1"/>
+          <p:nvPr/>
+        </p:nvSpPr>
+        <p:spPr>
+          <a:xfrm>
+            <a:off x="4384962" y="2731325"/>
+            <a:ext cx="1832757" cy="369332"/>
+          </a:xfrm>
+          <a:prstGeom prst="rect">
+            <a:avLst/>
+          </a:prstGeom>
+          <a:noFill/>
+        </p:spPr>
+        <p:txBody>
+          <a:bodyPr wrap="square" rtlCol="0">
+            <a:spAutoFit/>
+          </a:bodyPr>
+          <a:lstStyle/>
+          <a:p>
+            <a:r>
+              <a:rPr lang="en-US" dirty="0"/>
+              <a:t>Go Scheduler</a:t>
+            </a:r>
+          </a:p>
+        </p:txBody>
+      </p:sp>
+      <p:sp>
+        <p:nvSpPr>
+          <p:cNvPr id="51" name="TextBox 50">
+            <a:extLst>
+              <a:ext uri="{FF2B5EF4-FFF2-40B4-BE49-F238E27FC236}">
+                <a16:creationId xmlns:a16="http://schemas.microsoft.com/office/drawing/2014/main" id="{79FB5E16-1828-4C39-A30B-F5680FFFC812}"/>
+              </a:ext>
+            </a:extLst>
+          </p:cNvPr>
+          <p:cNvSpPr txBox="1"/>
+          <p:nvPr/>
+        </p:nvSpPr>
+        <p:spPr>
+          <a:xfrm>
+            <a:off x="3354779" y="4349362"/>
+            <a:ext cx="908463" cy="584775"/>
+          </a:xfrm>
+          <a:prstGeom prst="rect">
+            <a:avLst/>
+          </a:prstGeom>
+          <a:noFill/>
+        </p:spPr>
+        <p:txBody>
+          <a:bodyPr wrap="square" rtlCol="0">
+            <a:spAutoFit/>
+          </a:bodyPr>
+          <a:lstStyle/>
+          <a:p>
+            <a:r>
+              <a:rPr lang="en-US" sz="1600" dirty="0"/>
+              <a:t>Go Routine</a:t>
+            </a:r>
+          </a:p>
+        </p:txBody>
+      </p:sp>
+      <p:sp>
+        <p:nvSpPr>
+          <p:cNvPr id="52" name="TextBox 51">
+            <a:extLst>
+              <a:ext uri="{FF2B5EF4-FFF2-40B4-BE49-F238E27FC236}">
+                <a16:creationId xmlns:a16="http://schemas.microsoft.com/office/drawing/2014/main" id="{2ED90C61-4D97-4A02-A791-8B9A85AB18AE}"/>
+              </a:ext>
+            </a:extLst>
+          </p:cNvPr>
+          <p:cNvSpPr txBox="1"/>
+          <p:nvPr/>
+        </p:nvSpPr>
+        <p:spPr>
+          <a:xfrm>
+            <a:off x="4822370" y="4349361"/>
+            <a:ext cx="908463" cy="584775"/>
+          </a:xfrm>
+          <a:prstGeom prst="rect">
+            <a:avLst/>
+          </a:prstGeom>
+          <a:noFill/>
+        </p:spPr>
+        <p:txBody>
+          <a:bodyPr wrap="square" rtlCol="0">
+            <a:spAutoFit/>
+          </a:bodyPr>
+          <a:lstStyle/>
+          <a:p>
+            <a:r>
+              <a:rPr lang="en-US" sz="1600" dirty="0"/>
+              <a:t>Go Routine</a:t>
+            </a:r>
+          </a:p>
+        </p:txBody>
+      </p:sp>
+      <p:sp>
+        <p:nvSpPr>
+          <p:cNvPr id="53" name="TextBox 52">
+            <a:extLst>
+              <a:ext uri="{FF2B5EF4-FFF2-40B4-BE49-F238E27FC236}">
+                <a16:creationId xmlns:a16="http://schemas.microsoft.com/office/drawing/2014/main" id="{96F8D499-12AE-474D-8F62-94403880F261}"/>
+              </a:ext>
+            </a:extLst>
+          </p:cNvPr>
+          <p:cNvSpPr txBox="1"/>
+          <p:nvPr/>
+        </p:nvSpPr>
+        <p:spPr>
+          <a:xfrm>
+            <a:off x="6096000" y="4327072"/>
+            <a:ext cx="908463" cy="584775"/>
+          </a:xfrm>
+          <a:prstGeom prst="rect">
+            <a:avLst/>
+          </a:prstGeom>
+          <a:noFill/>
+        </p:spPr>
+        <p:txBody>
+          <a:bodyPr wrap="square" rtlCol="0">
+            <a:spAutoFit/>
+          </a:bodyPr>
+          <a:lstStyle/>
+          <a:p>
+            <a:r>
+              <a:rPr lang="en-US" sz="1600" dirty="0"/>
+              <a:t>Go Routine</a:t>
+            </a:r>
+          </a:p>
+        </p:txBody>
+      </p:sp>
+      <p:sp>
+        <p:nvSpPr>
+          <p:cNvPr id="54" name="Rectangle 53">
+            <a:extLst>
+              <a:ext uri="{FF2B5EF4-FFF2-40B4-BE49-F238E27FC236}">
+                <a16:creationId xmlns:a16="http://schemas.microsoft.com/office/drawing/2014/main" id="{6F79CD4C-A97C-48CF-85D1-238158395B4A}"/>
+              </a:ext>
+            </a:extLst>
+          </p:cNvPr>
+          <p:cNvSpPr/>
+          <p:nvPr/>
+        </p:nvSpPr>
+        <p:spPr>
+          <a:xfrm>
+            <a:off x="4718460" y="1074716"/>
+            <a:ext cx="1282530" cy="534389"/>
+          </a:xfrm>
+          <a:prstGeom prst="rect">
+            <a:avLst/>
+          </a:prstGeom>
+          <a:solidFill>
+            <a:schemeClr val="bg1"/>
+          </a:solidFill>
+        </p:spPr>
+        <p:style>
+          <a:lnRef idx="2">
+            <a:schemeClr val="accent1">
+              <a:shade val="50000"/>
+            </a:schemeClr>
+          </a:lnRef>
+          <a:fillRef idx="1">
+            <a:schemeClr val="accent1"/>
+          </a:fillRef>
+          <a:effectRef idx="0">
+            <a:schemeClr val="accent1"/>
+          </a:effectRef>
+          <a:fontRef idx="minor">
+            <a:schemeClr val="lt1"/>
+          </a:fontRef>
+        </p:style>
+        <p:txBody>
+          <a:bodyPr rtlCol="0" anchor="ctr"/>
+          <a:lstStyle/>
+          <a:p>
+            <a:pPr algn="ctr"/>
+            <a:endParaRPr lang="en-US" dirty="0"/>
+          </a:p>
+        </p:txBody>
+      </p:sp>
+      <p:cxnSp>
+        <p:nvCxnSpPr>
+          <p:cNvPr id="55" name="Straight Arrow Connector 54">
+            <a:extLst>
+              <a:ext uri="{FF2B5EF4-FFF2-40B4-BE49-F238E27FC236}">
+                <a16:creationId xmlns:a16="http://schemas.microsoft.com/office/drawing/2014/main" id="{F547CEC0-D52D-4032-B001-3B8BD5A6543E}"/>
+              </a:ext>
+            </a:extLst>
+          </p:cNvPr>
+          <p:cNvCxnSpPr/>
+          <p:nvPr/>
+        </p:nvCxnSpPr>
+        <p:spPr>
+          <a:xfrm>
+            <a:off x="5923806" y="1609105"/>
+            <a:ext cx="0" cy="908463"/>
+          </a:xfrm>
+          <a:prstGeom prst="straightConnector1">
+            <a:avLst/>
+          </a:prstGeom>
+          <a:ln>
+            <a:tailEnd type="triangle"/>
+          </a:ln>
+        </p:spPr>
+        <p:style>
+          <a:lnRef idx="1">
+            <a:schemeClr val="accent1"/>
+          </a:lnRef>
+          <a:fillRef idx="0">
+            <a:schemeClr val="accent1"/>
+          </a:fillRef>
+          <a:effectRef idx="0">
+            <a:schemeClr val="accent1"/>
+          </a:effectRef>
+          <a:fontRef idx="minor">
+            <a:schemeClr val="tx1"/>
+          </a:fontRef>
+        </p:style>
+      </p:cxnSp>
+      <p:cxnSp>
+        <p:nvCxnSpPr>
+          <p:cNvPr id="56" name="Straight Arrow Connector 55">
+            <a:extLst>
+              <a:ext uri="{FF2B5EF4-FFF2-40B4-BE49-F238E27FC236}">
+                <a16:creationId xmlns:a16="http://schemas.microsoft.com/office/drawing/2014/main" id="{6DC4E6F0-657C-414B-91A2-DA0642E9DEE8}"/>
+              </a:ext>
+            </a:extLst>
+          </p:cNvPr>
+          <p:cNvCxnSpPr>
+            <a:cxnSpLocks/>
+          </p:cNvCxnSpPr>
+          <p:nvPr/>
+        </p:nvCxnSpPr>
+        <p:spPr>
+          <a:xfrm flipV="1">
+            <a:off x="4886694" y="1609104"/>
+            <a:ext cx="0" cy="908464"/>
+          </a:xfrm>
+          <a:prstGeom prst="straightConnector1">
+            <a:avLst/>
+          </a:prstGeom>
+          <a:ln>
+            <a:tailEnd type="triangle"/>
+          </a:ln>
+        </p:spPr>
+        <p:style>
+          <a:lnRef idx="1">
+            <a:schemeClr val="accent1"/>
+          </a:lnRef>
+          <a:fillRef idx="0">
+            <a:schemeClr val="accent1"/>
+          </a:fillRef>
+          <a:effectRef idx="0">
+            <a:schemeClr val="accent1"/>
+          </a:effectRef>
+          <a:fontRef idx="minor">
+            <a:schemeClr val="tx1"/>
+          </a:fontRef>
+        </p:style>
+      </p:cxnSp>
+      <p:sp>
+        <p:nvSpPr>
+          <p:cNvPr id="57" name="TextBox 56">
+            <a:extLst>
+              <a:ext uri="{FF2B5EF4-FFF2-40B4-BE49-F238E27FC236}">
+                <a16:creationId xmlns:a16="http://schemas.microsoft.com/office/drawing/2014/main" id="{ABBEA2C5-3D3A-491D-9D83-960A85535D81}"/>
+              </a:ext>
+            </a:extLst>
+          </p:cNvPr>
+          <p:cNvSpPr txBox="1"/>
+          <p:nvPr/>
+        </p:nvSpPr>
+        <p:spPr>
+          <a:xfrm>
+            <a:off x="4805543" y="1056903"/>
+            <a:ext cx="1195447" cy="646331"/>
+          </a:xfrm>
+          <a:prstGeom prst="rect">
+            <a:avLst/>
+          </a:prstGeom>
+          <a:noFill/>
+        </p:spPr>
+        <p:txBody>
+          <a:bodyPr wrap="square" rtlCol="0">
+            <a:spAutoFit/>
+          </a:bodyPr>
+          <a:lstStyle/>
+          <a:p>
+            <a:r>
+              <a:rPr lang="en-US" dirty="0"/>
+              <a:t>One CPU</a:t>
+            </a:r>
+          </a:p>
+          <a:p>
+            <a:r>
+              <a:rPr lang="en-US" dirty="0"/>
+              <a:t>     Core</a:t>
+            </a:r>
+          </a:p>
+        </p:txBody>
+      </p:sp>
+      <p:sp>
+        <p:nvSpPr>
+          <p:cNvPr id="58" name="Rectangle 57">
+            <a:extLst>
+              <a:ext uri="{FF2B5EF4-FFF2-40B4-BE49-F238E27FC236}">
+                <a16:creationId xmlns:a16="http://schemas.microsoft.com/office/drawing/2014/main" id="{03044FE0-D930-48F5-A21C-A2E0D6947150}"/>
+              </a:ext>
+            </a:extLst>
+          </p:cNvPr>
+          <p:cNvSpPr/>
+          <p:nvPr/>
+        </p:nvSpPr>
+        <p:spPr>
+          <a:xfrm>
+            <a:off x="6090063" y="1078691"/>
+            <a:ext cx="1282530" cy="534389"/>
+          </a:xfrm>
+          <a:prstGeom prst="rect">
+            <a:avLst/>
+          </a:prstGeom>
+          <a:solidFill>
+            <a:schemeClr val="bg1"/>
+          </a:solidFill>
+        </p:spPr>
+        <p:style>
+          <a:lnRef idx="2">
+            <a:schemeClr val="accent1">
+              <a:shade val="50000"/>
+            </a:schemeClr>
+          </a:lnRef>
+          <a:fillRef idx="1">
+            <a:schemeClr val="accent1"/>
+          </a:fillRef>
+          <a:effectRef idx="0">
+            <a:schemeClr val="accent1"/>
+          </a:effectRef>
+          <a:fontRef idx="minor">
+            <a:schemeClr val="lt1"/>
+          </a:fontRef>
+        </p:style>
+        <p:txBody>
+          <a:bodyPr rtlCol="0" anchor="ctr"/>
+          <a:lstStyle/>
+          <a:p>
+            <a:pPr algn="ctr"/>
+            <a:endParaRPr lang="en-US" dirty="0"/>
+          </a:p>
+        </p:txBody>
+      </p:sp>
+      <p:cxnSp>
+        <p:nvCxnSpPr>
+          <p:cNvPr id="59" name="Straight Arrow Connector 58">
+            <a:extLst>
+              <a:ext uri="{FF2B5EF4-FFF2-40B4-BE49-F238E27FC236}">
+                <a16:creationId xmlns:a16="http://schemas.microsoft.com/office/drawing/2014/main" id="{C90C6AC3-4698-4FC9-883B-FEDFAF160228}"/>
+              </a:ext>
+            </a:extLst>
+          </p:cNvPr>
+          <p:cNvCxnSpPr/>
+          <p:nvPr/>
+        </p:nvCxnSpPr>
+        <p:spPr>
+          <a:xfrm>
+            <a:off x="7295409" y="1613080"/>
+            <a:ext cx="0" cy="908463"/>
+          </a:xfrm>
+          <a:prstGeom prst="straightConnector1">
+            <a:avLst/>
+          </a:prstGeom>
+          <a:ln>
+            <a:tailEnd type="triangle"/>
+          </a:ln>
+        </p:spPr>
+        <p:style>
+          <a:lnRef idx="1">
+            <a:schemeClr val="accent1"/>
+          </a:lnRef>
+          <a:fillRef idx="0">
+            <a:schemeClr val="accent1"/>
+          </a:fillRef>
+          <a:effectRef idx="0">
+            <a:schemeClr val="accent1"/>
+          </a:effectRef>
+          <a:fontRef idx="minor">
+            <a:schemeClr val="tx1"/>
+          </a:fontRef>
+        </p:style>
+      </p:cxnSp>
+      <p:cxnSp>
+        <p:nvCxnSpPr>
+          <p:cNvPr id="60" name="Straight Arrow Connector 59">
+            <a:extLst>
+              <a:ext uri="{FF2B5EF4-FFF2-40B4-BE49-F238E27FC236}">
+                <a16:creationId xmlns:a16="http://schemas.microsoft.com/office/drawing/2014/main" id="{19819122-89AE-4A9F-B1B1-C9B3823DB911}"/>
+              </a:ext>
+            </a:extLst>
+          </p:cNvPr>
+          <p:cNvCxnSpPr>
+            <a:cxnSpLocks/>
+          </p:cNvCxnSpPr>
+          <p:nvPr/>
+        </p:nvCxnSpPr>
+        <p:spPr>
+          <a:xfrm flipV="1">
+            <a:off x="6258297" y="1613079"/>
+            <a:ext cx="0" cy="908464"/>
+          </a:xfrm>
+          <a:prstGeom prst="straightConnector1">
+            <a:avLst/>
+          </a:prstGeom>
+          <a:ln>
+            <a:tailEnd type="triangle"/>
+          </a:ln>
+        </p:spPr>
+        <p:style>
+          <a:lnRef idx="1">
+            <a:schemeClr val="accent1"/>
+          </a:lnRef>
+          <a:fillRef idx="0">
+            <a:schemeClr val="accent1"/>
+          </a:fillRef>
+          <a:effectRef idx="0">
+            <a:schemeClr val="accent1"/>
+          </a:effectRef>
+          <a:fontRef idx="minor">
+            <a:schemeClr val="tx1"/>
+          </a:fontRef>
+        </p:style>
+      </p:cxnSp>
+      <p:sp>
+        <p:nvSpPr>
+          <p:cNvPr id="61" name="TextBox 60">
+            <a:extLst>
+              <a:ext uri="{FF2B5EF4-FFF2-40B4-BE49-F238E27FC236}">
+                <a16:creationId xmlns:a16="http://schemas.microsoft.com/office/drawing/2014/main" id="{D7660E40-2C3C-4167-9D89-B27DF2FC636C}"/>
+              </a:ext>
+            </a:extLst>
+          </p:cNvPr>
+          <p:cNvSpPr txBox="1"/>
+          <p:nvPr/>
+        </p:nvSpPr>
+        <p:spPr>
+          <a:xfrm>
+            <a:off x="6177146" y="1060878"/>
+            <a:ext cx="1195447" cy="646331"/>
+          </a:xfrm>
+          <a:prstGeom prst="rect">
+            <a:avLst/>
+          </a:prstGeom>
+          <a:noFill/>
+        </p:spPr>
+        <p:txBody>
+          <a:bodyPr wrap="square" rtlCol="0">
+            <a:spAutoFit/>
+          </a:bodyPr>
+          <a:lstStyle/>
+          <a:p>
+            <a:r>
+              <a:rPr lang="en-US" dirty="0"/>
+              <a:t>One CPU</a:t>
+            </a:r>
+          </a:p>
+          <a:p>
+            <a:r>
+              <a:rPr lang="en-US" dirty="0"/>
+              <a:t>     Core</a:t>
+            </a:r>
+          </a:p>
+        </p:txBody>
+      </p:sp>
+    </p:spTree>
+    <p:extLst>
+      <p:ext uri="{BB962C8B-B14F-4D97-AF65-F5344CB8AC3E}">
+        <p14:creationId xmlns:p14="http://schemas.microsoft.com/office/powerpoint/2010/main" val="3868241409"/>
+      </p:ext>
+    </p:extLst>
+  </p:cSld>
+  <p:clrMapOvr>
+    <a:masterClrMapping/>
+  </p:clrMapOvr>
+</p:sld>
+</file>
+
 <file path=ppt/theme/theme1.xml><?xml version="1.0" encoding="utf-8"?>
 <a:theme xmlns:a="http://schemas.openxmlformats.org/drawingml/2006/main" name="Frame">
   <a:themeElements>

--- a/channels and go routines/Channels and Go Routines Part 4.pptx
+++ b/channels and go routines/Channels and Go Routines Part 4.pptx
@@ -8,6 +8,7 @@
     <p:sldId id="256" r:id="rId2"/>
     <p:sldId id="257" r:id="rId3"/>
     <p:sldId id="258" r:id="rId4"/>
+    <p:sldId id="260" r:id="rId5"/>
   </p:sldIdLst>
   <p:sldSz cx="12192000" cy="6858000"/>
   <p:notesSz cx="6858000" cy="9144000"/>
@@ -5136,10 +5137,1207 @@
           </a:p>
         </p:txBody>
       </p:sp>
+      <p:sp>
+        <p:nvSpPr>
+          <p:cNvPr id="62" name="TextBox 61">
+            <a:extLst>
+              <a:ext uri="{FF2B5EF4-FFF2-40B4-BE49-F238E27FC236}">
+                <a16:creationId xmlns:a16="http://schemas.microsoft.com/office/drawing/2014/main" id="{7836576C-5814-4EB8-B1B1-BD90EF38CE58}"/>
+              </a:ext>
+            </a:extLst>
+          </p:cNvPr>
+          <p:cNvSpPr txBox="1"/>
+          <p:nvPr/>
+        </p:nvSpPr>
+        <p:spPr>
+          <a:xfrm>
+            <a:off x="7920842" y="2517568"/>
+            <a:ext cx="2737258" cy="646331"/>
+          </a:xfrm>
+          <a:prstGeom prst="rect">
+            <a:avLst/>
+          </a:prstGeom>
+          <a:noFill/>
+        </p:spPr>
+        <p:txBody>
+          <a:bodyPr wrap="square" rtlCol="0">
+            <a:spAutoFit/>
+          </a:bodyPr>
+          <a:lstStyle/>
+          <a:p>
+            <a:r>
+              <a:rPr lang="en-US" dirty="0"/>
+              <a:t>Scheduler runs one thread on each “logical” core</a:t>
+            </a:r>
+          </a:p>
+        </p:txBody>
+      </p:sp>
     </p:spTree>
     <p:extLst>
       <p:ext uri="{BB962C8B-B14F-4D97-AF65-F5344CB8AC3E}">
         <p14:creationId xmlns:p14="http://schemas.microsoft.com/office/powerpoint/2010/main" val="3868241409"/>
+      </p:ext>
+    </p:extLst>
+  </p:cSld>
+  <p:clrMapOvr>
+    <a:masterClrMapping/>
+  </p:clrMapOvr>
+</p:sld>
+</file>
+
+<file path=ppt/slides/slide4.xml><?xml version="1.0" encoding="utf-8"?>
+<p:sld xmlns:a="http://schemas.openxmlformats.org/drawingml/2006/main" xmlns:r="http://schemas.openxmlformats.org/officeDocument/2006/relationships" xmlns:p="http://schemas.openxmlformats.org/presentationml/2006/main">
+  <p:cSld>
+    <p:spTree>
+      <p:nvGrpSpPr>
+        <p:cNvPr id="1" name=""/>
+        <p:cNvGrpSpPr/>
+        <p:nvPr/>
+      </p:nvGrpSpPr>
+      <p:grpSpPr>
+        <a:xfrm>
+          <a:off x="0" y="0"/>
+          <a:ext cx="0" cy="0"/>
+          <a:chOff x="0" y="0"/>
+          <a:chExt cx="0" cy="0"/>
+        </a:xfrm>
+      </p:grpSpPr>
+      <p:sp>
+        <p:nvSpPr>
+          <p:cNvPr id="2" name="Title 1">
+            <a:extLst>
+              <a:ext uri="{FF2B5EF4-FFF2-40B4-BE49-F238E27FC236}">
+                <a16:creationId xmlns:a16="http://schemas.microsoft.com/office/drawing/2014/main" id="{1FEB8657-C2D5-436A-93FE-38275A534E18}"/>
+              </a:ext>
+            </a:extLst>
+          </p:cNvPr>
+          <p:cNvSpPr>
+            <a:spLocks noGrp="1"/>
+          </p:cNvSpPr>
+          <p:nvPr>
+            <p:ph type="title"/>
+          </p:nvPr>
+        </p:nvSpPr>
+        <p:spPr/>
+        <p:txBody>
+          <a:bodyPr/>
+          <a:lstStyle/>
+          <a:p>
+            <a:r>
+              <a:rPr lang="en-US" dirty="0"/>
+              <a:t>Concurrency != Parallelism</a:t>
+            </a:r>
+          </a:p>
+        </p:txBody>
+      </p:sp>
+      <p:sp>
+        <p:nvSpPr>
+          <p:cNvPr id="3" name="Content Placeholder 2">
+            <a:extLst>
+              <a:ext uri="{FF2B5EF4-FFF2-40B4-BE49-F238E27FC236}">
+                <a16:creationId xmlns:a16="http://schemas.microsoft.com/office/drawing/2014/main" id="{242E20B3-C2A8-429D-A979-A59310D6D840}"/>
+              </a:ext>
+            </a:extLst>
+          </p:cNvPr>
+          <p:cNvSpPr>
+            <a:spLocks noGrp="1"/>
+          </p:cNvSpPr>
+          <p:nvPr>
+            <p:ph sz="half" idx="1"/>
+          </p:nvPr>
+        </p:nvSpPr>
+        <p:spPr/>
+        <p:txBody>
+          <a:bodyPr/>
+          <a:lstStyle/>
+          <a:p>
+            <a:r>
+              <a:rPr lang="en-US" dirty="0"/>
+              <a:t>Concurrency – We can have multiple threads executing code. If one thread blocks, another one is picked up and worked on.</a:t>
+            </a:r>
+          </a:p>
+        </p:txBody>
+      </p:sp>
+      <p:sp>
+        <p:nvSpPr>
+          <p:cNvPr id="4" name="Content Placeholder 3">
+            <a:extLst>
+              <a:ext uri="{FF2B5EF4-FFF2-40B4-BE49-F238E27FC236}">
+                <a16:creationId xmlns:a16="http://schemas.microsoft.com/office/drawing/2014/main" id="{97BA38BE-0652-4D1F-A3EC-263EA7E3A14A}"/>
+              </a:ext>
+            </a:extLst>
+          </p:cNvPr>
+          <p:cNvSpPr>
+            <a:spLocks noGrp="1"/>
+          </p:cNvSpPr>
+          <p:nvPr>
+            <p:ph sz="half" idx="2"/>
+          </p:nvPr>
+        </p:nvSpPr>
+        <p:spPr/>
+        <p:txBody>
+          <a:bodyPr/>
+          <a:lstStyle/>
+          <a:p>
+            <a:r>
+              <a:rPr lang="en-US" dirty="0"/>
+              <a:t>Parallelism – Multiple threads executed at the exact same time. Requires multiple CPU’s</a:t>
+            </a:r>
+          </a:p>
+        </p:txBody>
+      </p:sp>
+      <p:sp>
+        <p:nvSpPr>
+          <p:cNvPr id="5" name="Rectangle 4">
+            <a:extLst>
+              <a:ext uri="{FF2B5EF4-FFF2-40B4-BE49-F238E27FC236}">
+                <a16:creationId xmlns:a16="http://schemas.microsoft.com/office/drawing/2014/main" id="{52331B34-68FA-4CB4-B088-50A55A0CFC9C}"/>
+              </a:ext>
+            </a:extLst>
+          </p:cNvPr>
+          <p:cNvSpPr/>
+          <p:nvPr/>
+        </p:nvSpPr>
+        <p:spPr>
+          <a:xfrm>
+            <a:off x="5165766" y="4340431"/>
+            <a:ext cx="930234" cy="391886"/>
+          </a:xfrm>
+          <a:prstGeom prst="rect">
+            <a:avLst/>
+          </a:prstGeom>
+          <a:noFill/>
+        </p:spPr>
+        <p:style>
+          <a:lnRef idx="2">
+            <a:schemeClr val="accent1">
+              <a:shade val="50000"/>
+            </a:schemeClr>
+          </a:lnRef>
+          <a:fillRef idx="1">
+            <a:schemeClr val="accent1"/>
+          </a:fillRef>
+          <a:effectRef idx="0">
+            <a:schemeClr val="accent1"/>
+          </a:effectRef>
+          <a:fontRef idx="minor">
+            <a:schemeClr val="lt1"/>
+          </a:fontRef>
+        </p:style>
+        <p:txBody>
+          <a:bodyPr rtlCol="0" anchor="ctr"/>
+          <a:lstStyle/>
+          <a:p>
+            <a:pPr algn="ctr"/>
+            <a:r>
+              <a:rPr lang="en-US" sz="1400" dirty="0">
+                <a:solidFill>
+                  <a:schemeClr val="tx1"/>
+                </a:solidFill>
+              </a:rPr>
+              <a:t>One Core</a:t>
+            </a:r>
+          </a:p>
+        </p:txBody>
+      </p:sp>
+      <p:sp>
+        <p:nvSpPr>
+          <p:cNvPr id="7" name="Rectangle 6">
+            <a:extLst>
+              <a:ext uri="{FF2B5EF4-FFF2-40B4-BE49-F238E27FC236}">
+                <a16:creationId xmlns:a16="http://schemas.microsoft.com/office/drawing/2014/main" id="{57491A10-3EB5-4937-AE45-435296C74FD3}"/>
+              </a:ext>
+            </a:extLst>
+          </p:cNvPr>
+          <p:cNvSpPr/>
+          <p:nvPr/>
+        </p:nvSpPr>
+        <p:spPr>
+          <a:xfrm>
+            <a:off x="4823360" y="4868882"/>
+            <a:ext cx="1615045" cy="225631"/>
+          </a:xfrm>
+          <a:prstGeom prst="rect">
+            <a:avLst/>
+          </a:prstGeom>
+          <a:noFill/>
+        </p:spPr>
+        <p:style>
+          <a:lnRef idx="2">
+            <a:schemeClr val="accent1">
+              <a:shade val="50000"/>
+            </a:schemeClr>
+          </a:lnRef>
+          <a:fillRef idx="1">
+            <a:schemeClr val="accent1"/>
+          </a:fillRef>
+          <a:effectRef idx="0">
+            <a:schemeClr val="accent1"/>
+          </a:effectRef>
+          <a:fontRef idx="minor">
+            <a:schemeClr val="lt1"/>
+          </a:fontRef>
+        </p:style>
+        <p:txBody>
+          <a:bodyPr rtlCol="0" anchor="ctr"/>
+          <a:lstStyle/>
+          <a:p>
+            <a:pPr algn="ctr"/>
+            <a:r>
+              <a:rPr lang="en-US" sz="1200" dirty="0">
+                <a:solidFill>
+                  <a:schemeClr val="tx1"/>
+                </a:solidFill>
+              </a:rPr>
+              <a:t>Pick one Go Routine!</a:t>
+            </a:r>
+          </a:p>
+        </p:txBody>
+      </p:sp>
+      <p:cxnSp>
+        <p:nvCxnSpPr>
+          <p:cNvPr id="9" name="Straight Arrow Connector 8">
+            <a:extLst>
+              <a:ext uri="{FF2B5EF4-FFF2-40B4-BE49-F238E27FC236}">
+                <a16:creationId xmlns:a16="http://schemas.microsoft.com/office/drawing/2014/main" id="{C787E6E8-2FAF-44A9-A7A2-5C3EE2E6E24E}"/>
+              </a:ext>
+            </a:extLst>
+          </p:cNvPr>
+          <p:cNvCxnSpPr>
+            <a:stCxn id="7" idx="0"/>
+            <a:endCxn id="5" idx="2"/>
+          </p:cNvCxnSpPr>
+          <p:nvPr/>
+        </p:nvCxnSpPr>
+        <p:spPr>
+          <a:xfrm flipV="1">
+            <a:off x="5630883" y="4732317"/>
+            <a:ext cx="0" cy="136565"/>
+          </a:xfrm>
+          <a:prstGeom prst="straightConnector1">
+            <a:avLst/>
+          </a:prstGeom>
+          <a:ln>
+            <a:tailEnd type="triangle"/>
+          </a:ln>
+        </p:spPr>
+        <p:style>
+          <a:lnRef idx="1">
+            <a:schemeClr val="accent1"/>
+          </a:lnRef>
+          <a:fillRef idx="0">
+            <a:schemeClr val="accent1"/>
+          </a:fillRef>
+          <a:effectRef idx="0">
+            <a:schemeClr val="accent1"/>
+          </a:effectRef>
+          <a:fontRef idx="minor">
+            <a:schemeClr val="tx1"/>
+          </a:fontRef>
+        </p:style>
+      </p:cxnSp>
+      <p:sp>
+        <p:nvSpPr>
+          <p:cNvPr id="11" name="Rectangle 10">
+            <a:extLst>
+              <a:ext uri="{FF2B5EF4-FFF2-40B4-BE49-F238E27FC236}">
+                <a16:creationId xmlns:a16="http://schemas.microsoft.com/office/drawing/2014/main" id="{9D840B14-1663-4FDF-A595-99BFF606D2BB}"/>
+              </a:ext>
+            </a:extLst>
+          </p:cNvPr>
+          <p:cNvSpPr/>
+          <p:nvPr/>
+        </p:nvSpPr>
+        <p:spPr>
+          <a:xfrm>
+            <a:off x="4376057" y="5266701"/>
+            <a:ext cx="944089" cy="332515"/>
+          </a:xfrm>
+          <a:prstGeom prst="rect">
+            <a:avLst/>
+          </a:prstGeom>
+          <a:solidFill>
+            <a:schemeClr val="bg1"/>
+          </a:solidFill>
+        </p:spPr>
+        <p:style>
+          <a:lnRef idx="2">
+            <a:schemeClr val="accent1">
+              <a:shade val="50000"/>
+            </a:schemeClr>
+          </a:lnRef>
+          <a:fillRef idx="1">
+            <a:schemeClr val="accent1"/>
+          </a:fillRef>
+          <a:effectRef idx="0">
+            <a:schemeClr val="accent1"/>
+          </a:effectRef>
+          <a:fontRef idx="minor">
+            <a:schemeClr val="lt1"/>
+          </a:fontRef>
+        </p:style>
+        <p:txBody>
+          <a:bodyPr rtlCol="0" anchor="ctr"/>
+          <a:lstStyle/>
+          <a:p>
+            <a:pPr algn="ctr"/>
+            <a:endParaRPr lang="en-US"/>
+          </a:p>
+        </p:txBody>
+      </p:sp>
+      <p:sp>
+        <p:nvSpPr>
+          <p:cNvPr id="12" name="TextBox 11">
+            <a:extLst>
+              <a:ext uri="{FF2B5EF4-FFF2-40B4-BE49-F238E27FC236}">
+                <a16:creationId xmlns:a16="http://schemas.microsoft.com/office/drawing/2014/main" id="{536D75ED-EC20-4185-A0FA-C50538E461BF}"/>
+              </a:ext>
+            </a:extLst>
+          </p:cNvPr>
+          <p:cNvSpPr txBox="1"/>
+          <p:nvPr/>
+        </p:nvSpPr>
+        <p:spPr>
+          <a:xfrm>
+            <a:off x="4376057" y="5278601"/>
+            <a:ext cx="944089" cy="276999"/>
+          </a:xfrm>
+          <a:prstGeom prst="rect">
+            <a:avLst/>
+          </a:prstGeom>
+          <a:noFill/>
+        </p:spPr>
+        <p:txBody>
+          <a:bodyPr wrap="square" rtlCol="0">
+            <a:spAutoFit/>
+          </a:bodyPr>
+          <a:lstStyle/>
+          <a:p>
+            <a:r>
+              <a:rPr lang="en-US" sz="1200" dirty="0"/>
+              <a:t>Go Routine</a:t>
+            </a:r>
+          </a:p>
+        </p:txBody>
+      </p:sp>
+      <p:sp>
+        <p:nvSpPr>
+          <p:cNvPr id="13" name="Rectangle 12">
+            <a:extLst>
+              <a:ext uri="{FF2B5EF4-FFF2-40B4-BE49-F238E27FC236}">
+                <a16:creationId xmlns:a16="http://schemas.microsoft.com/office/drawing/2014/main" id="{E5498F75-9372-4677-842B-479E129B01D9}"/>
+              </a:ext>
+            </a:extLst>
+          </p:cNvPr>
+          <p:cNvSpPr/>
+          <p:nvPr/>
+        </p:nvSpPr>
+        <p:spPr>
+          <a:xfrm>
+            <a:off x="5387299" y="5264716"/>
+            <a:ext cx="944089" cy="332515"/>
+          </a:xfrm>
+          <a:prstGeom prst="rect">
+            <a:avLst/>
+          </a:prstGeom>
+          <a:solidFill>
+            <a:schemeClr val="bg1"/>
+          </a:solidFill>
+        </p:spPr>
+        <p:style>
+          <a:lnRef idx="2">
+            <a:schemeClr val="accent1">
+              <a:shade val="50000"/>
+            </a:schemeClr>
+          </a:lnRef>
+          <a:fillRef idx="1">
+            <a:schemeClr val="accent1"/>
+          </a:fillRef>
+          <a:effectRef idx="0">
+            <a:schemeClr val="accent1"/>
+          </a:effectRef>
+          <a:fontRef idx="minor">
+            <a:schemeClr val="lt1"/>
+          </a:fontRef>
+        </p:style>
+        <p:txBody>
+          <a:bodyPr rtlCol="0" anchor="ctr"/>
+          <a:lstStyle/>
+          <a:p>
+            <a:pPr algn="ctr"/>
+            <a:endParaRPr lang="en-US"/>
+          </a:p>
+        </p:txBody>
+      </p:sp>
+      <p:sp>
+        <p:nvSpPr>
+          <p:cNvPr id="14" name="TextBox 13">
+            <a:extLst>
+              <a:ext uri="{FF2B5EF4-FFF2-40B4-BE49-F238E27FC236}">
+                <a16:creationId xmlns:a16="http://schemas.microsoft.com/office/drawing/2014/main" id="{6E80E383-59D2-4524-858E-ACB28C3C6842}"/>
+              </a:ext>
+            </a:extLst>
+          </p:cNvPr>
+          <p:cNvSpPr txBox="1"/>
+          <p:nvPr/>
+        </p:nvSpPr>
+        <p:spPr>
+          <a:xfrm>
+            <a:off x="5387299" y="5276616"/>
+            <a:ext cx="944089" cy="276999"/>
+          </a:xfrm>
+          <a:prstGeom prst="rect">
+            <a:avLst/>
+          </a:prstGeom>
+          <a:noFill/>
+        </p:spPr>
+        <p:txBody>
+          <a:bodyPr wrap="square" rtlCol="0">
+            <a:spAutoFit/>
+          </a:bodyPr>
+          <a:lstStyle/>
+          <a:p>
+            <a:r>
+              <a:rPr lang="en-US" sz="1200" dirty="0"/>
+              <a:t>Go Routine</a:t>
+            </a:r>
+          </a:p>
+        </p:txBody>
+      </p:sp>
+      <p:sp>
+        <p:nvSpPr>
+          <p:cNvPr id="15" name="Rectangle 14">
+            <a:extLst>
+              <a:ext uri="{FF2B5EF4-FFF2-40B4-BE49-F238E27FC236}">
+                <a16:creationId xmlns:a16="http://schemas.microsoft.com/office/drawing/2014/main" id="{A1272453-B1D5-4627-8F61-047178DD74A7}"/>
+              </a:ext>
+            </a:extLst>
+          </p:cNvPr>
+          <p:cNvSpPr/>
+          <p:nvPr/>
+        </p:nvSpPr>
+        <p:spPr>
+          <a:xfrm>
+            <a:off x="6398543" y="5262756"/>
+            <a:ext cx="944089" cy="332515"/>
+          </a:xfrm>
+          <a:prstGeom prst="rect">
+            <a:avLst/>
+          </a:prstGeom>
+          <a:solidFill>
+            <a:schemeClr val="bg1"/>
+          </a:solidFill>
+        </p:spPr>
+        <p:style>
+          <a:lnRef idx="2">
+            <a:schemeClr val="accent1">
+              <a:shade val="50000"/>
+            </a:schemeClr>
+          </a:lnRef>
+          <a:fillRef idx="1">
+            <a:schemeClr val="accent1"/>
+          </a:fillRef>
+          <a:effectRef idx="0">
+            <a:schemeClr val="accent1"/>
+          </a:effectRef>
+          <a:fontRef idx="minor">
+            <a:schemeClr val="lt1"/>
+          </a:fontRef>
+        </p:style>
+        <p:txBody>
+          <a:bodyPr rtlCol="0" anchor="ctr"/>
+          <a:lstStyle/>
+          <a:p>
+            <a:pPr algn="ctr"/>
+            <a:endParaRPr lang="en-US"/>
+          </a:p>
+        </p:txBody>
+      </p:sp>
+      <p:sp>
+        <p:nvSpPr>
+          <p:cNvPr id="16" name="TextBox 15">
+            <a:extLst>
+              <a:ext uri="{FF2B5EF4-FFF2-40B4-BE49-F238E27FC236}">
+                <a16:creationId xmlns:a16="http://schemas.microsoft.com/office/drawing/2014/main" id="{8B1C8D3C-C84B-4DD9-B5A9-300F94DF265E}"/>
+              </a:ext>
+            </a:extLst>
+          </p:cNvPr>
+          <p:cNvSpPr txBox="1"/>
+          <p:nvPr/>
+        </p:nvSpPr>
+        <p:spPr>
+          <a:xfrm>
+            <a:off x="6398543" y="5274656"/>
+            <a:ext cx="944089" cy="276999"/>
+          </a:xfrm>
+          <a:prstGeom prst="rect">
+            <a:avLst/>
+          </a:prstGeom>
+          <a:noFill/>
+        </p:spPr>
+        <p:txBody>
+          <a:bodyPr wrap="square" rtlCol="0">
+            <a:spAutoFit/>
+          </a:bodyPr>
+          <a:lstStyle/>
+          <a:p>
+            <a:r>
+              <a:rPr lang="en-US" sz="1200" dirty="0"/>
+              <a:t>Go Routine</a:t>
+            </a:r>
+          </a:p>
+        </p:txBody>
+      </p:sp>
+      <p:cxnSp>
+        <p:nvCxnSpPr>
+          <p:cNvPr id="20" name="Straight Arrow Connector 19">
+            <a:extLst>
+              <a:ext uri="{FF2B5EF4-FFF2-40B4-BE49-F238E27FC236}">
+                <a16:creationId xmlns:a16="http://schemas.microsoft.com/office/drawing/2014/main" id="{C1BF20D2-4704-40FD-B4F6-22D11D77F50D}"/>
+              </a:ext>
+            </a:extLst>
+          </p:cNvPr>
+          <p:cNvCxnSpPr/>
+          <p:nvPr/>
+        </p:nvCxnSpPr>
+        <p:spPr>
+          <a:xfrm flipV="1">
+            <a:off x="4969823" y="5094513"/>
+            <a:ext cx="0" cy="170203"/>
+          </a:xfrm>
+          <a:prstGeom prst="straightConnector1">
+            <a:avLst/>
+          </a:prstGeom>
+          <a:ln>
+            <a:tailEnd type="triangle"/>
+          </a:ln>
+        </p:spPr>
+        <p:style>
+          <a:lnRef idx="1">
+            <a:schemeClr val="accent1"/>
+          </a:lnRef>
+          <a:fillRef idx="0">
+            <a:schemeClr val="accent1"/>
+          </a:fillRef>
+          <a:effectRef idx="0">
+            <a:schemeClr val="accent1"/>
+          </a:effectRef>
+          <a:fontRef idx="minor">
+            <a:schemeClr val="tx1"/>
+          </a:fontRef>
+        </p:style>
+      </p:cxnSp>
+      <p:cxnSp>
+        <p:nvCxnSpPr>
+          <p:cNvPr id="22" name="Straight Arrow Connector 21">
+            <a:extLst>
+              <a:ext uri="{FF2B5EF4-FFF2-40B4-BE49-F238E27FC236}">
+                <a16:creationId xmlns:a16="http://schemas.microsoft.com/office/drawing/2014/main" id="{ABDFD830-0D61-4112-8AE0-DCE6CEB6086A}"/>
+              </a:ext>
+            </a:extLst>
+          </p:cNvPr>
+          <p:cNvCxnSpPr>
+            <a:cxnSpLocks/>
+            <a:stCxn id="13" idx="0"/>
+          </p:cNvCxnSpPr>
+          <p:nvPr/>
+        </p:nvCxnSpPr>
+        <p:spPr>
+          <a:xfrm flipV="1">
+            <a:off x="5859344" y="5094513"/>
+            <a:ext cx="0" cy="170203"/>
+          </a:xfrm>
+          <a:prstGeom prst="straightConnector1">
+            <a:avLst/>
+          </a:prstGeom>
+          <a:ln>
+            <a:tailEnd type="triangle"/>
+          </a:ln>
+        </p:spPr>
+        <p:style>
+          <a:lnRef idx="1">
+            <a:schemeClr val="accent1"/>
+          </a:lnRef>
+          <a:fillRef idx="0">
+            <a:schemeClr val="accent1"/>
+          </a:fillRef>
+          <a:effectRef idx="0">
+            <a:schemeClr val="accent1"/>
+          </a:effectRef>
+          <a:fontRef idx="minor">
+            <a:schemeClr val="tx1"/>
+          </a:fontRef>
+        </p:style>
+      </p:cxnSp>
+      <p:cxnSp>
+        <p:nvCxnSpPr>
+          <p:cNvPr id="25" name="Straight Arrow Connector 24">
+            <a:extLst>
+              <a:ext uri="{FF2B5EF4-FFF2-40B4-BE49-F238E27FC236}">
+                <a16:creationId xmlns:a16="http://schemas.microsoft.com/office/drawing/2014/main" id="{43E6FBC9-3714-41DA-869A-5F5C16741909}"/>
+              </a:ext>
+            </a:extLst>
+          </p:cNvPr>
+          <p:cNvCxnSpPr>
+            <a:cxnSpLocks/>
+          </p:cNvCxnSpPr>
+          <p:nvPr/>
+        </p:nvCxnSpPr>
+        <p:spPr>
+          <a:xfrm flipV="1">
+            <a:off x="6438405" y="5094514"/>
+            <a:ext cx="0" cy="168242"/>
+          </a:xfrm>
+          <a:prstGeom prst="straightConnector1">
+            <a:avLst/>
+          </a:prstGeom>
+          <a:ln>
+            <a:tailEnd type="triangle"/>
+          </a:ln>
+        </p:spPr>
+        <p:style>
+          <a:lnRef idx="1">
+            <a:schemeClr val="accent1"/>
+          </a:lnRef>
+          <a:fillRef idx="0">
+            <a:schemeClr val="accent1"/>
+          </a:fillRef>
+          <a:effectRef idx="0">
+            <a:schemeClr val="accent1"/>
+          </a:effectRef>
+          <a:fontRef idx="minor">
+            <a:schemeClr val="tx1"/>
+          </a:fontRef>
+        </p:style>
+      </p:cxnSp>
+      <p:sp>
+        <p:nvSpPr>
+          <p:cNvPr id="28" name="Rectangle 27">
+            <a:extLst>
+              <a:ext uri="{FF2B5EF4-FFF2-40B4-BE49-F238E27FC236}">
+                <a16:creationId xmlns:a16="http://schemas.microsoft.com/office/drawing/2014/main" id="{90DA845C-2C81-4EF0-8C08-080529B4FD9C}"/>
+              </a:ext>
+            </a:extLst>
+          </p:cNvPr>
+          <p:cNvSpPr/>
+          <p:nvPr/>
+        </p:nvSpPr>
+        <p:spPr>
+          <a:xfrm>
+            <a:off x="9334064" y="4328496"/>
+            <a:ext cx="930234" cy="391886"/>
+          </a:xfrm>
+          <a:prstGeom prst="rect">
+            <a:avLst/>
+          </a:prstGeom>
+          <a:noFill/>
+        </p:spPr>
+        <p:style>
+          <a:lnRef idx="2">
+            <a:schemeClr val="accent1">
+              <a:shade val="50000"/>
+            </a:schemeClr>
+          </a:lnRef>
+          <a:fillRef idx="1">
+            <a:schemeClr val="accent1"/>
+          </a:fillRef>
+          <a:effectRef idx="0">
+            <a:schemeClr val="accent1"/>
+          </a:effectRef>
+          <a:fontRef idx="minor">
+            <a:schemeClr val="lt1"/>
+          </a:fontRef>
+        </p:style>
+        <p:txBody>
+          <a:bodyPr rtlCol="0" anchor="ctr"/>
+          <a:lstStyle/>
+          <a:p>
+            <a:pPr algn="ctr"/>
+            <a:r>
+              <a:rPr lang="en-US" sz="1400" dirty="0">
+                <a:solidFill>
+                  <a:schemeClr val="tx1"/>
+                </a:solidFill>
+              </a:rPr>
+              <a:t>One Core</a:t>
+            </a:r>
+          </a:p>
+        </p:txBody>
+      </p:sp>
+      <p:sp>
+        <p:nvSpPr>
+          <p:cNvPr id="29" name="Rectangle 28">
+            <a:extLst>
+              <a:ext uri="{FF2B5EF4-FFF2-40B4-BE49-F238E27FC236}">
+                <a16:creationId xmlns:a16="http://schemas.microsoft.com/office/drawing/2014/main" id="{12E06FB8-A2C9-4D25-AC48-F95414F01559}"/>
+              </a:ext>
+            </a:extLst>
+          </p:cNvPr>
+          <p:cNvSpPr/>
+          <p:nvPr/>
+        </p:nvSpPr>
+        <p:spPr>
+          <a:xfrm>
+            <a:off x="8991658" y="4856947"/>
+            <a:ext cx="1615045" cy="225631"/>
+          </a:xfrm>
+          <a:prstGeom prst="rect">
+            <a:avLst/>
+          </a:prstGeom>
+          <a:noFill/>
+        </p:spPr>
+        <p:style>
+          <a:lnRef idx="2">
+            <a:schemeClr val="accent1">
+              <a:shade val="50000"/>
+            </a:schemeClr>
+          </a:lnRef>
+          <a:fillRef idx="1">
+            <a:schemeClr val="accent1"/>
+          </a:fillRef>
+          <a:effectRef idx="0">
+            <a:schemeClr val="accent1"/>
+          </a:effectRef>
+          <a:fontRef idx="minor">
+            <a:schemeClr val="lt1"/>
+          </a:fontRef>
+        </p:style>
+        <p:txBody>
+          <a:bodyPr rtlCol="0" anchor="ctr"/>
+          <a:lstStyle/>
+          <a:p>
+            <a:pPr algn="ctr"/>
+            <a:r>
+              <a:rPr lang="en-US" sz="1200" dirty="0">
+                <a:solidFill>
+                  <a:schemeClr val="tx1"/>
+                </a:solidFill>
+              </a:rPr>
+              <a:t>Pick one Go Routine!</a:t>
+            </a:r>
+          </a:p>
+        </p:txBody>
+      </p:sp>
+      <p:cxnSp>
+        <p:nvCxnSpPr>
+          <p:cNvPr id="30" name="Straight Arrow Connector 29">
+            <a:extLst>
+              <a:ext uri="{FF2B5EF4-FFF2-40B4-BE49-F238E27FC236}">
+                <a16:creationId xmlns:a16="http://schemas.microsoft.com/office/drawing/2014/main" id="{A578CBAB-A3F3-45F9-888B-F579A397535A}"/>
+              </a:ext>
+            </a:extLst>
+          </p:cNvPr>
+          <p:cNvCxnSpPr>
+            <a:stCxn id="29" idx="0"/>
+            <a:endCxn id="28" idx="2"/>
+          </p:cNvCxnSpPr>
+          <p:nvPr/>
+        </p:nvCxnSpPr>
+        <p:spPr>
+          <a:xfrm flipV="1">
+            <a:off x="9799181" y="4720382"/>
+            <a:ext cx="0" cy="136565"/>
+          </a:xfrm>
+          <a:prstGeom prst="straightConnector1">
+            <a:avLst/>
+          </a:prstGeom>
+          <a:ln>
+            <a:tailEnd type="triangle"/>
+          </a:ln>
+        </p:spPr>
+        <p:style>
+          <a:lnRef idx="1">
+            <a:schemeClr val="accent1"/>
+          </a:lnRef>
+          <a:fillRef idx="0">
+            <a:schemeClr val="accent1"/>
+          </a:fillRef>
+          <a:effectRef idx="0">
+            <a:schemeClr val="accent1"/>
+          </a:effectRef>
+          <a:fontRef idx="minor">
+            <a:schemeClr val="tx1"/>
+          </a:fontRef>
+        </p:style>
+      </p:cxnSp>
+      <p:sp>
+        <p:nvSpPr>
+          <p:cNvPr id="31" name="Rectangle 30">
+            <a:extLst>
+              <a:ext uri="{FF2B5EF4-FFF2-40B4-BE49-F238E27FC236}">
+                <a16:creationId xmlns:a16="http://schemas.microsoft.com/office/drawing/2014/main" id="{26880C9A-413C-4F90-9806-D3ABEE9B874F}"/>
+              </a:ext>
+            </a:extLst>
+          </p:cNvPr>
+          <p:cNvSpPr/>
+          <p:nvPr/>
+        </p:nvSpPr>
+        <p:spPr>
+          <a:xfrm>
+            <a:off x="8544355" y="5254766"/>
+            <a:ext cx="944089" cy="332515"/>
+          </a:xfrm>
+          <a:prstGeom prst="rect">
+            <a:avLst/>
+          </a:prstGeom>
+          <a:solidFill>
+            <a:schemeClr val="bg1"/>
+          </a:solidFill>
+        </p:spPr>
+        <p:style>
+          <a:lnRef idx="2">
+            <a:schemeClr val="accent1">
+              <a:shade val="50000"/>
+            </a:schemeClr>
+          </a:lnRef>
+          <a:fillRef idx="1">
+            <a:schemeClr val="accent1"/>
+          </a:fillRef>
+          <a:effectRef idx="0">
+            <a:schemeClr val="accent1"/>
+          </a:effectRef>
+          <a:fontRef idx="minor">
+            <a:schemeClr val="lt1"/>
+          </a:fontRef>
+        </p:style>
+        <p:txBody>
+          <a:bodyPr rtlCol="0" anchor="ctr"/>
+          <a:lstStyle/>
+          <a:p>
+            <a:pPr algn="ctr"/>
+            <a:endParaRPr lang="en-US"/>
+          </a:p>
+        </p:txBody>
+      </p:sp>
+      <p:sp>
+        <p:nvSpPr>
+          <p:cNvPr id="32" name="TextBox 31">
+            <a:extLst>
+              <a:ext uri="{FF2B5EF4-FFF2-40B4-BE49-F238E27FC236}">
+                <a16:creationId xmlns:a16="http://schemas.microsoft.com/office/drawing/2014/main" id="{7EE48E0E-84BA-432E-8C5E-F1A2AB8FBD44}"/>
+              </a:ext>
+            </a:extLst>
+          </p:cNvPr>
+          <p:cNvSpPr txBox="1"/>
+          <p:nvPr/>
+        </p:nvSpPr>
+        <p:spPr>
+          <a:xfrm>
+            <a:off x="8544355" y="5266666"/>
+            <a:ext cx="944089" cy="276999"/>
+          </a:xfrm>
+          <a:prstGeom prst="rect">
+            <a:avLst/>
+          </a:prstGeom>
+          <a:noFill/>
+        </p:spPr>
+        <p:txBody>
+          <a:bodyPr wrap="square" rtlCol="0">
+            <a:spAutoFit/>
+          </a:bodyPr>
+          <a:lstStyle/>
+          <a:p>
+            <a:r>
+              <a:rPr lang="en-US" sz="1200" dirty="0"/>
+              <a:t>Go Routine</a:t>
+            </a:r>
+          </a:p>
+        </p:txBody>
+      </p:sp>
+      <p:sp>
+        <p:nvSpPr>
+          <p:cNvPr id="33" name="Rectangle 32">
+            <a:extLst>
+              <a:ext uri="{FF2B5EF4-FFF2-40B4-BE49-F238E27FC236}">
+                <a16:creationId xmlns:a16="http://schemas.microsoft.com/office/drawing/2014/main" id="{0E9118B8-AA45-4751-9485-55D35BAEEF6B}"/>
+              </a:ext>
+            </a:extLst>
+          </p:cNvPr>
+          <p:cNvSpPr/>
+          <p:nvPr/>
+        </p:nvSpPr>
+        <p:spPr>
+          <a:xfrm>
+            <a:off x="9555597" y="5252781"/>
+            <a:ext cx="944089" cy="332515"/>
+          </a:xfrm>
+          <a:prstGeom prst="rect">
+            <a:avLst/>
+          </a:prstGeom>
+          <a:solidFill>
+            <a:schemeClr val="bg1"/>
+          </a:solidFill>
+        </p:spPr>
+        <p:style>
+          <a:lnRef idx="2">
+            <a:schemeClr val="accent1">
+              <a:shade val="50000"/>
+            </a:schemeClr>
+          </a:lnRef>
+          <a:fillRef idx="1">
+            <a:schemeClr val="accent1"/>
+          </a:fillRef>
+          <a:effectRef idx="0">
+            <a:schemeClr val="accent1"/>
+          </a:effectRef>
+          <a:fontRef idx="minor">
+            <a:schemeClr val="lt1"/>
+          </a:fontRef>
+        </p:style>
+        <p:txBody>
+          <a:bodyPr rtlCol="0" anchor="ctr"/>
+          <a:lstStyle/>
+          <a:p>
+            <a:pPr algn="ctr"/>
+            <a:endParaRPr lang="en-US"/>
+          </a:p>
+        </p:txBody>
+      </p:sp>
+      <p:sp>
+        <p:nvSpPr>
+          <p:cNvPr id="34" name="TextBox 33">
+            <a:extLst>
+              <a:ext uri="{FF2B5EF4-FFF2-40B4-BE49-F238E27FC236}">
+                <a16:creationId xmlns:a16="http://schemas.microsoft.com/office/drawing/2014/main" id="{F7F6FB77-CEDF-4B3E-99E6-9B4A0EB8C680}"/>
+              </a:ext>
+            </a:extLst>
+          </p:cNvPr>
+          <p:cNvSpPr txBox="1"/>
+          <p:nvPr/>
+        </p:nvSpPr>
+        <p:spPr>
+          <a:xfrm>
+            <a:off x="9555597" y="5264681"/>
+            <a:ext cx="944089" cy="276999"/>
+          </a:xfrm>
+          <a:prstGeom prst="rect">
+            <a:avLst/>
+          </a:prstGeom>
+          <a:noFill/>
+        </p:spPr>
+        <p:txBody>
+          <a:bodyPr wrap="square" rtlCol="0">
+            <a:spAutoFit/>
+          </a:bodyPr>
+          <a:lstStyle/>
+          <a:p>
+            <a:r>
+              <a:rPr lang="en-US" sz="1200" dirty="0"/>
+              <a:t>Go Routine</a:t>
+            </a:r>
+          </a:p>
+        </p:txBody>
+      </p:sp>
+      <p:sp>
+        <p:nvSpPr>
+          <p:cNvPr id="35" name="Rectangle 34">
+            <a:extLst>
+              <a:ext uri="{FF2B5EF4-FFF2-40B4-BE49-F238E27FC236}">
+                <a16:creationId xmlns:a16="http://schemas.microsoft.com/office/drawing/2014/main" id="{C78823EB-8A8A-4AA0-A7A5-55633BF4275A}"/>
+              </a:ext>
+            </a:extLst>
+          </p:cNvPr>
+          <p:cNvSpPr/>
+          <p:nvPr/>
+        </p:nvSpPr>
+        <p:spPr>
+          <a:xfrm>
+            <a:off x="10566841" y="5250821"/>
+            <a:ext cx="944089" cy="332515"/>
+          </a:xfrm>
+          <a:prstGeom prst="rect">
+            <a:avLst/>
+          </a:prstGeom>
+          <a:solidFill>
+            <a:schemeClr val="bg1"/>
+          </a:solidFill>
+        </p:spPr>
+        <p:style>
+          <a:lnRef idx="2">
+            <a:schemeClr val="accent1">
+              <a:shade val="50000"/>
+            </a:schemeClr>
+          </a:lnRef>
+          <a:fillRef idx="1">
+            <a:schemeClr val="accent1"/>
+          </a:fillRef>
+          <a:effectRef idx="0">
+            <a:schemeClr val="accent1"/>
+          </a:effectRef>
+          <a:fontRef idx="minor">
+            <a:schemeClr val="lt1"/>
+          </a:fontRef>
+        </p:style>
+        <p:txBody>
+          <a:bodyPr rtlCol="0" anchor="ctr"/>
+          <a:lstStyle/>
+          <a:p>
+            <a:pPr algn="ctr"/>
+            <a:endParaRPr lang="en-US"/>
+          </a:p>
+        </p:txBody>
+      </p:sp>
+      <p:sp>
+        <p:nvSpPr>
+          <p:cNvPr id="36" name="TextBox 35">
+            <a:extLst>
+              <a:ext uri="{FF2B5EF4-FFF2-40B4-BE49-F238E27FC236}">
+                <a16:creationId xmlns:a16="http://schemas.microsoft.com/office/drawing/2014/main" id="{4CDCA87C-350D-4A54-85BB-9B9C5B028CF2}"/>
+              </a:ext>
+            </a:extLst>
+          </p:cNvPr>
+          <p:cNvSpPr txBox="1"/>
+          <p:nvPr/>
+        </p:nvSpPr>
+        <p:spPr>
+          <a:xfrm>
+            <a:off x="10566841" y="5262721"/>
+            <a:ext cx="944089" cy="276999"/>
+          </a:xfrm>
+          <a:prstGeom prst="rect">
+            <a:avLst/>
+          </a:prstGeom>
+          <a:noFill/>
+        </p:spPr>
+        <p:txBody>
+          <a:bodyPr wrap="square" rtlCol="0">
+            <a:spAutoFit/>
+          </a:bodyPr>
+          <a:lstStyle/>
+          <a:p>
+            <a:r>
+              <a:rPr lang="en-US" sz="1200" dirty="0"/>
+              <a:t>Go Routine</a:t>
+            </a:r>
+          </a:p>
+        </p:txBody>
+      </p:sp>
+      <p:cxnSp>
+        <p:nvCxnSpPr>
+          <p:cNvPr id="37" name="Straight Arrow Connector 36">
+            <a:extLst>
+              <a:ext uri="{FF2B5EF4-FFF2-40B4-BE49-F238E27FC236}">
+                <a16:creationId xmlns:a16="http://schemas.microsoft.com/office/drawing/2014/main" id="{ACF5DF9F-26B3-448C-8BA8-E0DEAA486DEC}"/>
+              </a:ext>
+            </a:extLst>
+          </p:cNvPr>
+          <p:cNvCxnSpPr/>
+          <p:nvPr/>
+        </p:nvCxnSpPr>
+        <p:spPr>
+          <a:xfrm flipV="1">
+            <a:off x="9138121" y="5082578"/>
+            <a:ext cx="0" cy="170203"/>
+          </a:xfrm>
+          <a:prstGeom prst="straightConnector1">
+            <a:avLst/>
+          </a:prstGeom>
+          <a:ln>
+            <a:tailEnd type="triangle"/>
+          </a:ln>
+        </p:spPr>
+        <p:style>
+          <a:lnRef idx="1">
+            <a:schemeClr val="accent1"/>
+          </a:lnRef>
+          <a:fillRef idx="0">
+            <a:schemeClr val="accent1"/>
+          </a:fillRef>
+          <a:effectRef idx="0">
+            <a:schemeClr val="accent1"/>
+          </a:effectRef>
+          <a:fontRef idx="minor">
+            <a:schemeClr val="tx1"/>
+          </a:fontRef>
+        </p:style>
+      </p:cxnSp>
+      <p:cxnSp>
+        <p:nvCxnSpPr>
+          <p:cNvPr id="38" name="Straight Arrow Connector 37">
+            <a:extLst>
+              <a:ext uri="{FF2B5EF4-FFF2-40B4-BE49-F238E27FC236}">
+                <a16:creationId xmlns:a16="http://schemas.microsoft.com/office/drawing/2014/main" id="{C69797C4-06B3-4245-BACB-1099F7FC586E}"/>
+              </a:ext>
+            </a:extLst>
+          </p:cNvPr>
+          <p:cNvCxnSpPr>
+            <a:cxnSpLocks/>
+            <a:stCxn id="33" idx="0"/>
+          </p:cNvCxnSpPr>
+          <p:nvPr/>
+        </p:nvCxnSpPr>
+        <p:spPr>
+          <a:xfrm flipV="1">
+            <a:off x="10027642" y="5082578"/>
+            <a:ext cx="0" cy="170203"/>
+          </a:xfrm>
+          <a:prstGeom prst="straightConnector1">
+            <a:avLst/>
+          </a:prstGeom>
+          <a:ln>
+            <a:tailEnd type="triangle"/>
+          </a:ln>
+        </p:spPr>
+        <p:style>
+          <a:lnRef idx="1">
+            <a:schemeClr val="accent1"/>
+          </a:lnRef>
+          <a:fillRef idx="0">
+            <a:schemeClr val="accent1"/>
+          </a:fillRef>
+          <a:effectRef idx="0">
+            <a:schemeClr val="accent1"/>
+          </a:effectRef>
+          <a:fontRef idx="minor">
+            <a:schemeClr val="tx1"/>
+          </a:fontRef>
+        </p:style>
+      </p:cxnSp>
+      <p:cxnSp>
+        <p:nvCxnSpPr>
+          <p:cNvPr id="39" name="Straight Arrow Connector 38">
+            <a:extLst>
+              <a:ext uri="{FF2B5EF4-FFF2-40B4-BE49-F238E27FC236}">
+                <a16:creationId xmlns:a16="http://schemas.microsoft.com/office/drawing/2014/main" id="{54C251DF-A35C-402F-9C5A-F3D9D32D5678}"/>
+              </a:ext>
+            </a:extLst>
+          </p:cNvPr>
+          <p:cNvCxnSpPr>
+            <a:cxnSpLocks/>
+          </p:cNvCxnSpPr>
+          <p:nvPr/>
+        </p:nvCxnSpPr>
+        <p:spPr>
+          <a:xfrm flipV="1">
+            <a:off x="10606703" y="5082579"/>
+            <a:ext cx="0" cy="168242"/>
+          </a:xfrm>
+          <a:prstGeom prst="straightConnector1">
+            <a:avLst/>
+          </a:prstGeom>
+          <a:ln>
+            <a:tailEnd type="triangle"/>
+          </a:ln>
+        </p:spPr>
+        <p:style>
+          <a:lnRef idx="1">
+            <a:schemeClr val="accent1"/>
+          </a:lnRef>
+          <a:fillRef idx="0">
+            <a:schemeClr val="accent1"/>
+          </a:fillRef>
+          <a:effectRef idx="0">
+            <a:schemeClr val="accent1"/>
+          </a:effectRef>
+          <a:fontRef idx="minor">
+            <a:schemeClr val="tx1"/>
+          </a:fontRef>
+        </p:style>
+      </p:cxnSp>
+    </p:spTree>
+    <p:extLst>
+      <p:ext uri="{BB962C8B-B14F-4D97-AF65-F5344CB8AC3E}">
+        <p14:creationId xmlns:p14="http://schemas.microsoft.com/office/powerpoint/2010/main" val="2424133048"/>
       </p:ext>
     </p:extLst>
   </p:cSld>
